--- a/PPT/grad_ppt.pptx
+++ b/PPT/grad_ppt.pptx
@@ -5,18 +5,19 @@
     <p:sldMasterId id="2147483648" r:id="rId1"/>
   </p:sldMasterIdLst>
   <p:sldIdLst>
-    <p:sldId id="256" r:id="rId2"/>
-    <p:sldId id="273" r:id="rId3"/>
-    <p:sldId id="274" r:id="rId4"/>
-    <p:sldId id="257" r:id="rId5"/>
-    <p:sldId id="258" r:id="rId6"/>
-    <p:sldId id="268" r:id="rId7"/>
-    <p:sldId id="267" r:id="rId8"/>
-    <p:sldId id="259" r:id="rId9"/>
-    <p:sldId id="269" r:id="rId10"/>
-    <p:sldId id="270" r:id="rId11"/>
-    <p:sldId id="271" r:id="rId12"/>
-    <p:sldId id="272" r:id="rId13"/>
+    <p:sldId id="280" r:id="rId2"/>
+    <p:sldId id="274" r:id="rId3"/>
+    <p:sldId id="275" r:id="rId4"/>
+    <p:sldId id="276" r:id="rId5"/>
+    <p:sldId id="277" r:id="rId6"/>
+    <p:sldId id="257" r:id="rId7"/>
+    <p:sldId id="258" r:id="rId8"/>
+    <p:sldId id="268" r:id="rId9"/>
+    <p:sldId id="267" r:id="rId10"/>
+    <p:sldId id="279" r:id="rId11"/>
+    <p:sldId id="259" r:id="rId12"/>
+    <p:sldId id="281" r:id="rId13"/>
+    <p:sldId id="282" r:id="rId14"/>
   </p:sldIdLst>
   <p:sldSz cx="12192000" cy="6858000"/>
   <p:notesSz cx="6858000" cy="9144000"/>
@@ -3337,6 +3338,1191 @@
           <a:chExt cx="0" cy="0"/>
         </a:xfrm>
       </p:grpSpPr>
+      <p:sp>
+        <p:nvSpPr>
+          <p:cNvPr id="2" name="제목 1">
+            <a:extLst>
+              <a:ext uri="{FF2B5EF4-FFF2-40B4-BE49-F238E27FC236}">
+                <a16:creationId xmlns:a16="http://schemas.microsoft.com/office/drawing/2014/main" id="{FC5AA832-C27A-13E6-A77F-A32555FB40CE}"/>
+              </a:ext>
+            </a:extLst>
+          </p:cNvPr>
+          <p:cNvSpPr>
+            <a:spLocks noGrp="1"/>
+          </p:cNvSpPr>
+          <p:nvPr>
+            <p:ph type="ctrTitle"/>
+          </p:nvPr>
+        </p:nvSpPr>
+        <p:spPr/>
+        <p:txBody>
+          <a:bodyPr/>
+          <a:lstStyle/>
+          <a:p>
+            <a:r>
+              <a:rPr lang="ko-KR" altLang="en-US" dirty="0"/>
+              <a:t>시계열 데이터를 활용한</a:t>
+            </a:r>
+            <a:br>
+              <a:rPr lang="en-US" altLang="ko-KR" dirty="0"/>
+            </a:br>
+            <a:r>
+              <a:rPr lang="ko-KR" altLang="en-US" dirty="0"/>
+              <a:t>한우 가격 예측 비교</a:t>
+            </a:r>
+          </a:p>
+        </p:txBody>
+      </p:sp>
+      <p:sp>
+        <p:nvSpPr>
+          <p:cNvPr id="3" name="부제목 2">
+            <a:extLst>
+              <a:ext uri="{FF2B5EF4-FFF2-40B4-BE49-F238E27FC236}">
+                <a16:creationId xmlns:a16="http://schemas.microsoft.com/office/drawing/2014/main" id="{EB43791B-8A52-6093-BBD1-489C4A7D01E0}"/>
+              </a:ext>
+            </a:extLst>
+          </p:cNvPr>
+          <p:cNvSpPr>
+            <a:spLocks noGrp="1"/>
+          </p:cNvSpPr>
+          <p:nvPr>
+            <p:ph type="subTitle" idx="1"/>
+          </p:nvPr>
+        </p:nvSpPr>
+        <p:spPr/>
+        <p:txBody>
+          <a:bodyPr/>
+          <a:lstStyle/>
+          <a:p>
+            <a:r>
+              <a:rPr lang="ko-KR" altLang="en-US" dirty="0"/>
+              <a:t>휴먼지능로봇공학과</a:t>
+            </a:r>
+            <a:endParaRPr lang="en-US" altLang="ko-KR" dirty="0"/>
+          </a:p>
+          <a:p>
+            <a:r>
+              <a:rPr lang="en-US" altLang="ko-KR" dirty="0"/>
+              <a:t>201921343</a:t>
+            </a:r>
+          </a:p>
+          <a:p>
+            <a:r>
+              <a:rPr lang="ko-KR" altLang="en-US" dirty="0"/>
+              <a:t>김효찬</a:t>
+            </a:r>
+          </a:p>
+        </p:txBody>
+      </p:sp>
+    </p:spTree>
+    <p:extLst>
+      <p:ext uri="{BB962C8B-B14F-4D97-AF65-F5344CB8AC3E}">
+        <p14:creationId xmlns:p14="http://schemas.microsoft.com/office/powerpoint/2010/main" val="3217801152"/>
+      </p:ext>
+    </p:extLst>
+  </p:cSld>
+  <p:clrMapOvr>
+    <a:masterClrMapping/>
+  </p:clrMapOvr>
+</p:sld>
+</file>
+
+<file path=ppt/slides/slide10.xml><?xml version="1.0" encoding="utf-8"?>
+<p:sld xmlns:a="http://schemas.openxmlformats.org/drawingml/2006/main" xmlns:r="http://schemas.openxmlformats.org/officeDocument/2006/relationships" xmlns:p="http://schemas.openxmlformats.org/presentationml/2006/main">
+  <p:cSld>
+    <p:spTree>
+      <p:nvGrpSpPr>
+        <p:cNvPr id="1" name=""/>
+        <p:cNvGrpSpPr/>
+        <p:nvPr/>
+      </p:nvGrpSpPr>
+      <p:grpSpPr>
+        <a:xfrm>
+          <a:off x="0" y="0"/>
+          <a:ext cx="0" cy="0"/>
+          <a:chOff x="0" y="0"/>
+          <a:chExt cx="0" cy="0"/>
+        </a:xfrm>
+      </p:grpSpPr>
+      <p:sp>
+        <p:nvSpPr>
+          <p:cNvPr id="2" name="제목 1">
+            <a:extLst>
+              <a:ext uri="{FF2B5EF4-FFF2-40B4-BE49-F238E27FC236}">
+                <a16:creationId xmlns:a16="http://schemas.microsoft.com/office/drawing/2014/main" id="{F6F51A29-55AF-994B-1953-F7A27A278A42}"/>
+              </a:ext>
+            </a:extLst>
+          </p:cNvPr>
+          <p:cNvSpPr>
+            <a:spLocks noGrp="1"/>
+          </p:cNvSpPr>
+          <p:nvPr>
+            <p:ph type="title"/>
+          </p:nvPr>
+        </p:nvSpPr>
+        <p:spPr/>
+        <p:txBody>
+          <a:bodyPr/>
+          <a:lstStyle/>
+          <a:p>
+            <a:r>
+              <a:rPr lang="ko-KR" altLang="en-US" dirty="0"/>
+              <a:t>일별 소 유통가격 동향</a:t>
+            </a:r>
+          </a:p>
+        </p:txBody>
+      </p:sp>
+      <p:pic>
+        <p:nvPicPr>
+          <p:cNvPr id="4" name="Picture 3">
+            <a:extLst>
+              <a:ext uri="{FF2B5EF4-FFF2-40B4-BE49-F238E27FC236}">
+                <a16:creationId xmlns:a16="http://schemas.microsoft.com/office/drawing/2014/main" id="{5494BEAF-DB1F-F1BA-B742-B6628CCC6032}"/>
+              </a:ext>
+            </a:extLst>
+          </p:cNvPr>
+          <p:cNvPicPr>
+            <a:picLocks noChangeAspect="1"/>
+          </p:cNvPicPr>
+          <p:nvPr/>
+        </p:nvPicPr>
+        <p:blipFill>
+          <a:blip r:embed="rId2"/>
+          <a:stretch>
+            <a:fillRect/>
+          </a:stretch>
+        </p:blipFill>
+        <p:spPr>
+          <a:xfrm>
+            <a:off x="838200" y="1690688"/>
+            <a:ext cx="10628599" cy="4035857"/>
+          </a:xfrm>
+          <a:prstGeom prst="rect">
+            <a:avLst/>
+          </a:prstGeom>
+          <a:noFill/>
+          <a:ln>
+            <a:noFill/>
+          </a:ln>
+          <a:effectLst/>
+        </p:spPr>
+      </p:pic>
+    </p:spTree>
+    <p:extLst>
+      <p:ext uri="{BB962C8B-B14F-4D97-AF65-F5344CB8AC3E}">
+        <p14:creationId xmlns:p14="http://schemas.microsoft.com/office/powerpoint/2010/main" val="137985596"/>
+      </p:ext>
+    </p:extLst>
+  </p:cSld>
+  <p:clrMapOvr>
+    <a:masterClrMapping/>
+  </p:clrMapOvr>
+</p:sld>
+</file>
+
+<file path=ppt/slides/slide11.xml><?xml version="1.0" encoding="utf-8"?>
+<p:sld xmlns:a="http://schemas.openxmlformats.org/drawingml/2006/main" xmlns:r="http://schemas.openxmlformats.org/officeDocument/2006/relationships" xmlns:p="http://schemas.openxmlformats.org/presentationml/2006/main">
+  <p:cSld>
+    <p:spTree>
+      <p:nvGrpSpPr>
+        <p:cNvPr id="1" name=""/>
+        <p:cNvGrpSpPr/>
+        <p:nvPr/>
+      </p:nvGrpSpPr>
+      <p:grpSpPr>
+        <a:xfrm>
+          <a:off x="0" y="0"/>
+          <a:ext cx="0" cy="0"/>
+          <a:chOff x="0" y="0"/>
+          <a:chExt cx="0" cy="0"/>
+        </a:xfrm>
+      </p:grpSpPr>
+      <p:pic>
+        <p:nvPicPr>
+          <p:cNvPr id="6" name="그림 5" descr="텍스트, 그래프, 라인, 폰트이(가) 표시된 사진&#10;&#10;자동 생성된 설명">
+            <a:extLst>
+              <a:ext uri="{FF2B5EF4-FFF2-40B4-BE49-F238E27FC236}">
+                <a16:creationId xmlns:a16="http://schemas.microsoft.com/office/drawing/2014/main" id="{0CCBF9C3-0DC3-3218-00C8-0AB1DFB396F9}"/>
+              </a:ext>
+            </a:extLst>
+          </p:cNvPr>
+          <p:cNvPicPr>
+            <a:picLocks noChangeAspect="1"/>
+          </p:cNvPicPr>
+          <p:nvPr/>
+        </p:nvPicPr>
+        <p:blipFill>
+          <a:blip r:embed="rId2">
+            <a:extLst>
+              <a:ext uri="{28A0092B-C50C-407E-A947-70E740481C1C}">
+                <a14:useLocalDpi xmlns:a14="http://schemas.microsoft.com/office/drawing/2010/main" val="0"/>
+              </a:ext>
+            </a:extLst>
+          </a:blip>
+          <a:stretch>
+            <a:fillRect/>
+          </a:stretch>
+        </p:blipFill>
+        <p:spPr>
+          <a:xfrm>
+            <a:off x="1523991" y="1190908"/>
+            <a:ext cx="9144018" cy="5486411"/>
+          </a:xfrm>
+          <a:prstGeom prst="rect">
+            <a:avLst/>
+          </a:prstGeom>
+        </p:spPr>
+      </p:pic>
+      <p:sp>
+        <p:nvSpPr>
+          <p:cNvPr id="2" name="제목 1">
+            <a:extLst>
+              <a:ext uri="{FF2B5EF4-FFF2-40B4-BE49-F238E27FC236}">
+                <a16:creationId xmlns:a16="http://schemas.microsoft.com/office/drawing/2014/main" id="{1B7490DF-F0CC-6F4E-2C4B-5253CF951BBA}"/>
+              </a:ext>
+            </a:extLst>
+          </p:cNvPr>
+          <p:cNvSpPr txBox="1">
+            <a:spLocks/>
+          </p:cNvSpPr>
+          <p:nvPr/>
+        </p:nvSpPr>
+        <p:spPr>
+          <a:xfrm>
+            <a:off x="838200" y="365125"/>
+            <a:ext cx="10515600" cy="1325563"/>
+          </a:xfrm>
+          <a:prstGeom prst="rect">
+            <a:avLst/>
+          </a:prstGeom>
+        </p:spPr>
+        <p:txBody>
+          <a:bodyPr/>
+          <a:lstStyle>
+            <a:lvl1pPr algn="l" defTabSz="914400" rtl="0" eaLnBrk="1" latinLnBrk="1" hangingPunct="1">
+              <a:lnSpc>
+                <a:spcPct val="90000"/>
+              </a:lnSpc>
+              <a:spcBef>
+                <a:spcPct val="0"/>
+              </a:spcBef>
+              <a:buNone/>
+              <a:defRPr sz="4400" kern="1200">
+                <a:solidFill>
+                  <a:schemeClr val="tx1"/>
+                </a:solidFill>
+                <a:latin typeface="+mj-lt"/>
+                <a:ea typeface="+mj-ea"/>
+                <a:cs typeface="+mj-cs"/>
+              </a:defRPr>
+            </a:lvl1pPr>
+          </a:lstStyle>
+          <a:p>
+            <a:r>
+              <a:rPr lang="ko-KR" altLang="en-US" dirty="0"/>
+              <a:t>연도별 한우 가격</a:t>
+            </a:r>
+          </a:p>
+        </p:txBody>
+      </p:sp>
+    </p:spTree>
+    <p:extLst>
+      <p:ext uri="{BB962C8B-B14F-4D97-AF65-F5344CB8AC3E}">
+        <p14:creationId xmlns:p14="http://schemas.microsoft.com/office/powerpoint/2010/main" val="1612270372"/>
+      </p:ext>
+    </p:extLst>
+  </p:cSld>
+  <p:clrMapOvr>
+    <a:masterClrMapping/>
+  </p:clrMapOvr>
+</p:sld>
+</file>
+
+<file path=ppt/slides/slide12.xml><?xml version="1.0" encoding="utf-8"?>
+<p:sld xmlns:a="http://schemas.openxmlformats.org/drawingml/2006/main" xmlns:r="http://schemas.openxmlformats.org/officeDocument/2006/relationships" xmlns:p="http://schemas.openxmlformats.org/presentationml/2006/main">
+  <p:cSld>
+    <p:spTree>
+      <p:nvGrpSpPr>
+        <p:cNvPr id="1" name=""/>
+        <p:cNvGrpSpPr/>
+        <p:nvPr/>
+      </p:nvGrpSpPr>
+      <p:grpSpPr>
+        <a:xfrm>
+          <a:off x="0" y="0"/>
+          <a:ext cx="0" cy="0"/>
+          <a:chOff x="0" y="0"/>
+          <a:chExt cx="0" cy="0"/>
+        </a:xfrm>
+      </p:grpSpPr>
+      <p:sp>
+        <p:nvSpPr>
+          <p:cNvPr id="2" name="제목 1">
+            <a:extLst>
+              <a:ext uri="{FF2B5EF4-FFF2-40B4-BE49-F238E27FC236}">
+                <a16:creationId xmlns:a16="http://schemas.microsoft.com/office/drawing/2014/main" id="{7C5F1AE1-CAD2-0DB1-ED72-4E22AFD4A658}"/>
+              </a:ext>
+            </a:extLst>
+          </p:cNvPr>
+          <p:cNvSpPr>
+            <a:spLocks noGrp="1"/>
+          </p:cNvSpPr>
+          <p:nvPr>
+            <p:ph type="title"/>
+          </p:nvPr>
+        </p:nvSpPr>
+        <p:spPr/>
+        <p:txBody>
+          <a:bodyPr/>
+          <a:lstStyle/>
+          <a:p>
+            <a:r>
+              <a:rPr lang="en-US" altLang="ko-KR" dirty="0"/>
+              <a:t>Correlation Matrix</a:t>
+            </a:r>
+            <a:endParaRPr lang="ko-KR" altLang="en-US" dirty="0"/>
+          </a:p>
+        </p:txBody>
+      </p:sp>
+      <p:pic>
+        <p:nvPicPr>
+          <p:cNvPr id="5" name="내용 개체 틀 4" descr="텍스트, 스크린샷, 사각형, 도표이(가) 표시된 사진&#10;&#10;자동 생성된 설명">
+            <a:extLst>
+              <a:ext uri="{FF2B5EF4-FFF2-40B4-BE49-F238E27FC236}">
+                <a16:creationId xmlns:a16="http://schemas.microsoft.com/office/drawing/2014/main" id="{2365492C-D0BE-7176-8E22-5219174B8414}"/>
+              </a:ext>
+            </a:extLst>
+          </p:cNvPr>
+          <p:cNvPicPr>
+            <a:picLocks noGrp="1" noChangeAspect="1"/>
+          </p:cNvPicPr>
+          <p:nvPr>
+            <p:ph idx="1"/>
+          </p:nvPr>
+        </p:nvPicPr>
+        <p:blipFill>
+          <a:blip r:embed="rId2">
+            <a:extLst>
+              <a:ext uri="{28A0092B-C50C-407E-A947-70E740481C1C}">
+                <a14:useLocalDpi xmlns:a14="http://schemas.microsoft.com/office/drawing/2010/main" val="0"/>
+              </a:ext>
+            </a:extLst>
+          </a:blip>
+          <a:stretch>
+            <a:fillRect/>
+          </a:stretch>
+        </p:blipFill>
+        <p:spPr>
+          <a:xfrm>
+            <a:off x="3195108" y="1825625"/>
+            <a:ext cx="5801784" cy="4351338"/>
+          </a:xfrm>
+        </p:spPr>
+      </p:pic>
+    </p:spTree>
+    <p:extLst>
+      <p:ext uri="{BB962C8B-B14F-4D97-AF65-F5344CB8AC3E}">
+        <p14:creationId xmlns:p14="http://schemas.microsoft.com/office/powerpoint/2010/main" val="1148482015"/>
+      </p:ext>
+    </p:extLst>
+  </p:cSld>
+  <p:clrMapOvr>
+    <a:masterClrMapping/>
+  </p:clrMapOvr>
+</p:sld>
+</file>
+
+<file path=ppt/slides/slide13.xml><?xml version="1.0" encoding="utf-8"?>
+<p:sld xmlns:a="http://schemas.openxmlformats.org/drawingml/2006/main" xmlns:r="http://schemas.openxmlformats.org/officeDocument/2006/relationships" xmlns:p="http://schemas.openxmlformats.org/presentationml/2006/main">
+  <p:cSld>
+    <p:spTree>
+      <p:nvGrpSpPr>
+        <p:cNvPr id="1" name=""/>
+        <p:cNvGrpSpPr/>
+        <p:nvPr/>
+      </p:nvGrpSpPr>
+      <p:grpSpPr>
+        <a:xfrm>
+          <a:off x="0" y="0"/>
+          <a:ext cx="0" cy="0"/>
+          <a:chOff x="0" y="0"/>
+          <a:chExt cx="0" cy="0"/>
+        </a:xfrm>
+      </p:grpSpPr>
+      <p:sp>
+        <p:nvSpPr>
+          <p:cNvPr id="2" name="제목 1">
+            <a:extLst>
+              <a:ext uri="{FF2B5EF4-FFF2-40B4-BE49-F238E27FC236}">
+                <a16:creationId xmlns:a16="http://schemas.microsoft.com/office/drawing/2014/main" id="{72EF6405-25BF-D195-001B-92C1A1A2A8E6}"/>
+              </a:ext>
+            </a:extLst>
+          </p:cNvPr>
+          <p:cNvSpPr>
+            <a:spLocks noGrp="1"/>
+          </p:cNvSpPr>
+          <p:nvPr>
+            <p:ph type="title"/>
+          </p:nvPr>
+        </p:nvSpPr>
+        <p:spPr/>
+        <p:txBody>
+          <a:bodyPr/>
+          <a:lstStyle/>
+          <a:p>
+            <a:r>
+              <a:rPr lang="ko-KR" altLang="en-US" dirty="0"/>
+              <a:t>실험 예시 영상</a:t>
+            </a:r>
+          </a:p>
+        </p:txBody>
+      </p:sp>
+      <p:pic>
+        <p:nvPicPr>
+          <p:cNvPr id="4" name="2024-10-18 05-21-15">
+            <a:hlinkClick r:id="" action="ppaction://media"/>
+            <a:extLst>
+              <a:ext uri="{FF2B5EF4-FFF2-40B4-BE49-F238E27FC236}">
+                <a16:creationId xmlns:a16="http://schemas.microsoft.com/office/drawing/2014/main" id="{A54678A8-D8EC-69E5-A5C0-7F25EAFAB752}"/>
+              </a:ext>
+            </a:extLst>
+          </p:cNvPr>
+          <p:cNvPicPr>
+            <a:picLocks noChangeAspect="1"/>
+          </p:cNvPicPr>
+          <p:nvPr>
+            <a:videoFile r:link="rId2"/>
+            <p:extLst>
+              <p:ext uri="{DAA4B4D4-6D71-4841-9C94-3DE7FCFB9230}">
+                <p14:media xmlns:p14="http://schemas.microsoft.com/office/powerpoint/2010/main" r:embed="rId1"/>
+              </p:ext>
+            </p:extLst>
+          </p:nvPr>
+        </p:nvPicPr>
+        <p:blipFill>
+          <a:blip r:embed="rId4"/>
+          <a:stretch>
+            <a:fillRect/>
+          </a:stretch>
+        </p:blipFill>
+        <p:spPr>
+          <a:xfrm>
+            <a:off x="1564269" y="1336139"/>
+            <a:ext cx="9063462" cy="5098197"/>
+          </a:xfrm>
+          <a:prstGeom prst="rect">
+            <a:avLst/>
+          </a:prstGeom>
+        </p:spPr>
+      </p:pic>
+    </p:spTree>
+    <p:extLst>
+      <p:ext uri="{BB962C8B-B14F-4D97-AF65-F5344CB8AC3E}">
+        <p14:creationId xmlns:p14="http://schemas.microsoft.com/office/powerpoint/2010/main" val="356231775"/>
+      </p:ext>
+    </p:extLst>
+  </p:cSld>
+  <p:clrMapOvr>
+    <a:masterClrMapping/>
+  </p:clrMapOvr>
+  <p:timing>
+    <p:tnLst>
+      <p:par>
+        <p:cTn id="1" dur="indefinite" restart="never" nodeType="tmRoot">
+          <p:childTnLst>
+            <p:seq concurrent="1" nextAc="seek">
+              <p:cTn id="2" dur="indefinite" nodeType="mainSeq">
+                <p:childTnLst>
+                  <p:par>
+                    <p:cTn id="3" fill="hold">
+                      <p:stCondLst>
+                        <p:cond delay="indefinite"/>
+                      </p:stCondLst>
+                      <p:childTnLst>
+                        <p:par>
+                          <p:cTn id="4" fill="hold">
+                            <p:stCondLst>
+                              <p:cond delay="0"/>
+                            </p:stCondLst>
+                            <p:childTnLst>
+                              <p:par>
+                                <p:cTn id="5" presetID="1" presetClass="mediacall" presetSubtype="0" fill="hold" nodeType="clickEffect">
+                                  <p:stCondLst>
+                                    <p:cond delay="0"/>
+                                  </p:stCondLst>
+                                  <p:childTnLst>
+                                    <p:cmd type="call" cmd="playFrom(0.0)">
+                                      <p:cBhvr>
+                                        <p:cTn id="6" dur="24450" fill="hold"/>
+                                        <p:tgtEl>
+                                          <p:spTgt spid="4"/>
+                                        </p:tgtEl>
+                                      </p:cBhvr>
+                                    </p:cmd>
+                                  </p:childTnLst>
+                                </p:cTn>
+                              </p:par>
+                            </p:childTnLst>
+                          </p:cTn>
+                        </p:par>
+                      </p:childTnLst>
+                    </p:cTn>
+                  </p:par>
+                </p:childTnLst>
+              </p:cTn>
+              <p:prevCondLst>
+                <p:cond evt="onPrev" delay="0">
+                  <p:tgtEl>
+                    <p:sldTgt/>
+                  </p:tgtEl>
+                </p:cond>
+              </p:prevCondLst>
+              <p:nextCondLst>
+                <p:cond evt="onNext" delay="0">
+                  <p:tgtEl>
+                    <p:sldTgt/>
+                  </p:tgtEl>
+                </p:cond>
+              </p:nextCondLst>
+            </p:seq>
+            <p:video>
+              <p:cMediaNode vol="80000">
+                <p:cTn id="7" fill="hold" display="0">
+                  <p:stCondLst>
+                    <p:cond delay="indefinite"/>
+                  </p:stCondLst>
+                </p:cTn>
+                <p:tgtEl>
+                  <p:spTgt spid="4"/>
+                </p:tgtEl>
+              </p:cMediaNode>
+            </p:video>
+            <p:seq concurrent="1" nextAc="seek">
+              <p:cTn id="8" restart="whenNotActive" fill="hold" evtFilter="cancelBubble" nodeType="interactiveSeq">
+                <p:stCondLst>
+                  <p:cond evt="onClick" delay="0">
+                    <p:tgtEl>
+                      <p:spTgt spid="4"/>
+                    </p:tgtEl>
+                  </p:cond>
+                </p:stCondLst>
+                <p:endSync evt="end" delay="0">
+                  <p:rtn val="all"/>
+                </p:endSync>
+                <p:childTnLst>
+                  <p:par>
+                    <p:cTn id="9" fill="hold">
+                      <p:stCondLst>
+                        <p:cond delay="0"/>
+                      </p:stCondLst>
+                      <p:childTnLst>
+                        <p:par>
+                          <p:cTn id="10" fill="hold">
+                            <p:stCondLst>
+                              <p:cond delay="0"/>
+                            </p:stCondLst>
+                            <p:childTnLst>
+                              <p:par>
+                                <p:cTn id="11" presetID="2" presetClass="mediacall" presetSubtype="0" fill="hold" nodeType="clickEffect">
+                                  <p:stCondLst>
+                                    <p:cond delay="0"/>
+                                  </p:stCondLst>
+                                  <p:childTnLst>
+                                    <p:cmd type="call" cmd="togglePause">
+                                      <p:cBhvr>
+                                        <p:cTn id="12" dur="1" fill="hold"/>
+                                        <p:tgtEl>
+                                          <p:spTgt spid="4"/>
+                                        </p:tgtEl>
+                                      </p:cBhvr>
+                                    </p:cmd>
+                                  </p:childTnLst>
+                                </p:cTn>
+                              </p:par>
+                            </p:childTnLst>
+                          </p:cTn>
+                        </p:par>
+                      </p:childTnLst>
+                    </p:cTn>
+                  </p:par>
+                </p:childTnLst>
+              </p:cTn>
+              <p:nextCondLst>
+                <p:cond evt="onClick" delay="0">
+                  <p:tgtEl>
+                    <p:spTgt spid="4"/>
+                  </p:tgtEl>
+                </p:cond>
+              </p:nextCondLst>
+            </p:seq>
+          </p:childTnLst>
+        </p:cTn>
+      </p:par>
+    </p:tnLst>
+  </p:timing>
+</p:sld>
+</file>
+
+<file path=ppt/slides/slide2.xml><?xml version="1.0" encoding="utf-8"?>
+<p:sld xmlns:a="http://schemas.openxmlformats.org/drawingml/2006/main" xmlns:r="http://schemas.openxmlformats.org/officeDocument/2006/relationships" xmlns:p="http://schemas.openxmlformats.org/presentationml/2006/main">
+  <p:cSld>
+    <p:spTree>
+      <p:nvGrpSpPr>
+        <p:cNvPr id="1" name=""/>
+        <p:cNvGrpSpPr/>
+        <p:nvPr/>
+      </p:nvGrpSpPr>
+      <p:grpSpPr>
+        <a:xfrm>
+          <a:off x="0" y="0"/>
+          <a:ext cx="0" cy="0"/>
+          <a:chOff x="0" y="0"/>
+          <a:chExt cx="0" cy="0"/>
+        </a:xfrm>
+      </p:grpSpPr>
+      <p:sp>
+        <p:nvSpPr>
+          <p:cNvPr id="2" name="제목 1">
+            <a:extLst>
+              <a:ext uri="{FF2B5EF4-FFF2-40B4-BE49-F238E27FC236}">
+                <a16:creationId xmlns:a16="http://schemas.microsoft.com/office/drawing/2014/main" id="{17243E4B-AD5B-C7D3-B423-3F22AC75344A}"/>
+              </a:ext>
+            </a:extLst>
+          </p:cNvPr>
+          <p:cNvSpPr>
+            <a:spLocks noGrp="1"/>
+          </p:cNvSpPr>
+          <p:nvPr>
+            <p:ph type="title"/>
+          </p:nvPr>
+        </p:nvSpPr>
+        <p:spPr/>
+        <p:txBody>
+          <a:bodyPr/>
+          <a:lstStyle/>
+          <a:p>
+            <a:r>
+              <a:rPr lang="ko-KR" altLang="en-US" dirty="0"/>
+              <a:t>통계적 방법</a:t>
+            </a:r>
+          </a:p>
+        </p:txBody>
+      </p:sp>
+      <p:sp>
+        <p:nvSpPr>
+          <p:cNvPr id="3" name="내용 개체 틀 2">
+            <a:extLst>
+              <a:ext uri="{FF2B5EF4-FFF2-40B4-BE49-F238E27FC236}">
+                <a16:creationId xmlns:a16="http://schemas.microsoft.com/office/drawing/2014/main" id="{8E1506F6-4EF9-8F6E-F666-FB4678CD8F75}"/>
+              </a:ext>
+            </a:extLst>
+          </p:cNvPr>
+          <p:cNvSpPr>
+            <a:spLocks noGrp="1"/>
+          </p:cNvSpPr>
+          <p:nvPr>
+            <p:ph idx="1"/>
+          </p:nvPr>
+        </p:nvSpPr>
+        <p:spPr/>
+        <p:txBody>
+          <a:bodyPr>
+            <a:normAutofit/>
+          </a:bodyPr>
+          <a:lstStyle/>
+          <a:p>
+            <a:r>
+              <a:rPr lang="en-US" altLang="ko-KR" dirty="0"/>
+              <a:t>AR </a:t>
+            </a:r>
+            <a:r>
+              <a:rPr lang="ko-KR" altLang="en-US" dirty="0"/>
+              <a:t>모델</a:t>
+            </a:r>
+            <a:endParaRPr lang="en-US" altLang="ko-KR" dirty="0"/>
+          </a:p>
+          <a:p>
+            <a:endParaRPr lang="en-US" altLang="ko-KR" dirty="0"/>
+          </a:p>
+          <a:p>
+            <a:endParaRPr lang="en-US" altLang="ko-KR" dirty="0"/>
+          </a:p>
+          <a:p>
+            <a:r>
+              <a:rPr lang="en-US" altLang="ko-KR" dirty="0"/>
+              <a:t>MA </a:t>
+            </a:r>
+            <a:r>
+              <a:rPr lang="ko-KR" altLang="en-US" dirty="0"/>
+              <a:t>모델</a:t>
+            </a:r>
+            <a:endParaRPr lang="en-US" altLang="ko-KR" dirty="0"/>
+          </a:p>
+          <a:p>
+            <a:endParaRPr lang="en-US" altLang="ko-KR" dirty="0"/>
+          </a:p>
+          <a:p>
+            <a:endParaRPr lang="en-US" altLang="ko-KR" dirty="0"/>
+          </a:p>
+          <a:p>
+            <a:r>
+              <a:rPr lang="en-US" altLang="ko-KR" dirty="0"/>
+              <a:t>ARMA </a:t>
+            </a:r>
+            <a:r>
+              <a:rPr lang="ko-KR" altLang="en-US" dirty="0"/>
+              <a:t>모델</a:t>
+            </a:r>
+            <a:endParaRPr lang="en-US" altLang="ko-KR" dirty="0"/>
+          </a:p>
+          <a:p>
+            <a:endParaRPr lang="en-US" altLang="ko-KR" dirty="0"/>
+          </a:p>
+        </p:txBody>
+      </p:sp>
+      <p:pic>
+        <p:nvPicPr>
+          <p:cNvPr id="11" name="그림 10">
+            <a:extLst>
+              <a:ext uri="{FF2B5EF4-FFF2-40B4-BE49-F238E27FC236}">
+                <a16:creationId xmlns:a16="http://schemas.microsoft.com/office/drawing/2014/main" id="{A89224F3-73C7-6833-576F-80A25EB2866C}"/>
+              </a:ext>
+            </a:extLst>
+          </p:cNvPr>
+          <p:cNvPicPr>
+            <a:picLocks noChangeAspect="1"/>
+          </p:cNvPicPr>
+          <p:nvPr/>
+        </p:nvPicPr>
+        <p:blipFill>
+          <a:blip r:embed="rId2"/>
+          <a:stretch>
+            <a:fillRect/>
+          </a:stretch>
+        </p:blipFill>
+        <p:spPr>
+          <a:xfrm>
+            <a:off x="3409575" y="1825625"/>
+            <a:ext cx="5372850" cy="381053"/>
+          </a:xfrm>
+          <a:prstGeom prst="rect">
+            <a:avLst/>
+          </a:prstGeom>
+        </p:spPr>
+      </p:pic>
+      <p:pic>
+        <p:nvPicPr>
+          <p:cNvPr id="13" name="그림 12">
+            <a:extLst>
+              <a:ext uri="{FF2B5EF4-FFF2-40B4-BE49-F238E27FC236}">
+                <a16:creationId xmlns:a16="http://schemas.microsoft.com/office/drawing/2014/main" id="{1253ED4F-B16F-921B-EB67-B7849EFB6380}"/>
+              </a:ext>
+            </a:extLst>
+          </p:cNvPr>
+          <p:cNvPicPr>
+            <a:picLocks noChangeAspect="1"/>
+          </p:cNvPicPr>
+          <p:nvPr/>
+        </p:nvPicPr>
+        <p:blipFill>
+          <a:blip r:embed="rId3"/>
+          <a:stretch>
+            <a:fillRect/>
+          </a:stretch>
+        </p:blipFill>
+        <p:spPr>
+          <a:xfrm>
+            <a:off x="3409575" y="3272910"/>
+            <a:ext cx="4810796" cy="476316"/>
+          </a:xfrm>
+          <a:prstGeom prst="rect">
+            <a:avLst/>
+          </a:prstGeom>
+        </p:spPr>
+      </p:pic>
+      <p:pic>
+        <p:nvPicPr>
+          <p:cNvPr id="15" name="그림 14">
+            <a:extLst>
+              <a:ext uri="{FF2B5EF4-FFF2-40B4-BE49-F238E27FC236}">
+                <a16:creationId xmlns:a16="http://schemas.microsoft.com/office/drawing/2014/main" id="{0372CD0E-BCC8-1C35-7D4C-6CBFCBA007A6}"/>
+              </a:ext>
+            </a:extLst>
+          </p:cNvPr>
+          <p:cNvPicPr>
+            <a:picLocks noChangeAspect="1"/>
+          </p:cNvPicPr>
+          <p:nvPr/>
+        </p:nvPicPr>
+        <p:blipFill>
+          <a:blip r:embed="rId4"/>
+          <a:stretch>
+            <a:fillRect/>
+          </a:stretch>
+        </p:blipFill>
+        <p:spPr>
+          <a:xfrm>
+            <a:off x="3317211" y="4796986"/>
+            <a:ext cx="5353797" cy="752580"/>
+          </a:xfrm>
+          <a:prstGeom prst="rect">
+            <a:avLst/>
+          </a:prstGeom>
+        </p:spPr>
+      </p:pic>
+    </p:spTree>
+    <p:extLst>
+      <p:ext uri="{BB962C8B-B14F-4D97-AF65-F5344CB8AC3E}">
+        <p14:creationId xmlns:p14="http://schemas.microsoft.com/office/powerpoint/2010/main" val="1484581932"/>
+      </p:ext>
+    </p:extLst>
+  </p:cSld>
+  <p:clrMapOvr>
+    <a:masterClrMapping/>
+  </p:clrMapOvr>
+</p:sld>
+</file>
+
+<file path=ppt/slides/slide3.xml><?xml version="1.0" encoding="utf-8"?>
+<p:sld xmlns:a="http://schemas.openxmlformats.org/drawingml/2006/main" xmlns:r="http://schemas.openxmlformats.org/officeDocument/2006/relationships" xmlns:p="http://schemas.openxmlformats.org/presentationml/2006/main">
+  <p:cSld>
+    <p:spTree>
+      <p:nvGrpSpPr>
+        <p:cNvPr id="1" name=""/>
+        <p:cNvGrpSpPr/>
+        <p:nvPr/>
+      </p:nvGrpSpPr>
+      <p:grpSpPr>
+        <a:xfrm>
+          <a:off x="0" y="0"/>
+          <a:ext cx="0" cy="0"/>
+          <a:chOff x="0" y="0"/>
+          <a:chExt cx="0" cy="0"/>
+        </a:xfrm>
+      </p:grpSpPr>
+      <p:sp>
+        <p:nvSpPr>
+          <p:cNvPr id="2" name="제목 1">
+            <a:extLst>
+              <a:ext uri="{FF2B5EF4-FFF2-40B4-BE49-F238E27FC236}">
+                <a16:creationId xmlns:a16="http://schemas.microsoft.com/office/drawing/2014/main" id="{CECBDB1C-4F6D-1730-68BF-D04C68395485}"/>
+              </a:ext>
+            </a:extLst>
+          </p:cNvPr>
+          <p:cNvSpPr>
+            <a:spLocks noGrp="1"/>
+          </p:cNvSpPr>
+          <p:nvPr>
+            <p:ph type="title"/>
+          </p:nvPr>
+        </p:nvSpPr>
+        <p:spPr/>
+        <p:txBody>
+          <a:bodyPr/>
+          <a:lstStyle/>
+          <a:p>
+            <a:r>
+              <a:rPr lang="ko-KR" altLang="en-US" dirty="0"/>
+              <a:t>통계적 방법</a:t>
+            </a:r>
+          </a:p>
+        </p:txBody>
+      </p:sp>
+      <p:sp>
+        <p:nvSpPr>
+          <p:cNvPr id="3" name="내용 개체 틀 2">
+            <a:extLst>
+              <a:ext uri="{FF2B5EF4-FFF2-40B4-BE49-F238E27FC236}">
+                <a16:creationId xmlns:a16="http://schemas.microsoft.com/office/drawing/2014/main" id="{679FDA31-3B16-ECD6-EA3E-0B1913066A83}"/>
+              </a:ext>
+            </a:extLst>
+          </p:cNvPr>
+          <p:cNvSpPr>
+            <a:spLocks noGrp="1"/>
+          </p:cNvSpPr>
+          <p:nvPr>
+            <p:ph idx="1"/>
+          </p:nvPr>
+        </p:nvSpPr>
+        <p:spPr/>
+        <p:txBody>
+          <a:bodyPr/>
+          <a:lstStyle/>
+          <a:p>
+            <a:pPr marL="0" indent="0">
+              <a:buNone/>
+            </a:pPr>
+            <a:r>
+              <a:rPr lang="ko-KR" altLang="en-US" dirty="0"/>
+              <a:t>자기상관함수</a:t>
+            </a:r>
+            <a:endParaRPr lang="en-US" altLang="ko-KR" dirty="0"/>
+          </a:p>
+          <a:p>
+            <a:endParaRPr lang="en-US" altLang="ko-KR" dirty="0"/>
+          </a:p>
+          <a:p>
+            <a:endParaRPr lang="en-US" altLang="ko-KR" dirty="0"/>
+          </a:p>
+          <a:p>
+            <a:endParaRPr lang="en-US" altLang="ko-KR" dirty="0"/>
+          </a:p>
+          <a:p>
+            <a:endParaRPr lang="en-US" altLang="ko-KR" dirty="0"/>
+          </a:p>
+          <a:p>
+            <a:r>
+              <a:rPr lang="ko-KR" altLang="en-US" dirty="0"/>
+              <a:t>부분자기상관함수</a:t>
+            </a:r>
+          </a:p>
+          <a:p>
+            <a:endParaRPr lang="ko-KR" altLang="en-US" dirty="0"/>
+          </a:p>
+        </p:txBody>
+      </p:sp>
+      <p:pic>
+        <p:nvPicPr>
+          <p:cNvPr id="4" name="그림 3">
+            <a:extLst>
+              <a:ext uri="{FF2B5EF4-FFF2-40B4-BE49-F238E27FC236}">
+                <a16:creationId xmlns:a16="http://schemas.microsoft.com/office/drawing/2014/main" id="{3A705981-3D42-7149-FA18-E34BB5A9353E}"/>
+              </a:ext>
+            </a:extLst>
+          </p:cNvPr>
+          <p:cNvPicPr>
+            <a:picLocks noChangeAspect="1"/>
+          </p:cNvPicPr>
+          <p:nvPr/>
+        </p:nvPicPr>
+        <p:blipFill>
+          <a:blip r:embed="rId2"/>
+          <a:stretch>
+            <a:fillRect/>
+          </a:stretch>
+        </p:blipFill>
+        <p:spPr>
+          <a:xfrm>
+            <a:off x="4578866" y="1825625"/>
+            <a:ext cx="5010849" cy="1838582"/>
+          </a:xfrm>
+          <a:prstGeom prst="rect">
+            <a:avLst/>
+          </a:prstGeom>
+        </p:spPr>
+      </p:pic>
+      <p:pic>
+        <p:nvPicPr>
+          <p:cNvPr id="6" name="그림 5">
+            <a:extLst>
+              <a:ext uri="{FF2B5EF4-FFF2-40B4-BE49-F238E27FC236}">
+                <a16:creationId xmlns:a16="http://schemas.microsoft.com/office/drawing/2014/main" id="{B9CC460A-0B9B-1DC2-3C56-55D1841D6472}"/>
+              </a:ext>
+            </a:extLst>
+          </p:cNvPr>
+          <p:cNvPicPr>
+            <a:picLocks noChangeAspect="1"/>
+          </p:cNvPicPr>
+          <p:nvPr/>
+        </p:nvPicPr>
+        <p:blipFill>
+          <a:blip r:embed="rId3"/>
+          <a:stretch>
+            <a:fillRect/>
+          </a:stretch>
+        </p:blipFill>
+        <p:spPr>
+          <a:xfrm>
+            <a:off x="4656902" y="4518434"/>
+            <a:ext cx="3524742" cy="333422"/>
+          </a:xfrm>
+          <a:prstGeom prst="rect">
+            <a:avLst/>
+          </a:prstGeom>
+        </p:spPr>
+      </p:pic>
+    </p:spTree>
+    <p:extLst>
+      <p:ext uri="{BB962C8B-B14F-4D97-AF65-F5344CB8AC3E}">
+        <p14:creationId xmlns:p14="http://schemas.microsoft.com/office/powerpoint/2010/main" val="902975173"/>
+      </p:ext>
+    </p:extLst>
+  </p:cSld>
+  <p:clrMapOvr>
+    <a:masterClrMapping/>
+  </p:clrMapOvr>
+</p:sld>
+</file>
+
+<file path=ppt/slides/slide4.xml><?xml version="1.0" encoding="utf-8"?>
+<p:sld xmlns:a="http://schemas.openxmlformats.org/drawingml/2006/main" xmlns:r="http://schemas.openxmlformats.org/officeDocument/2006/relationships" xmlns:p="http://schemas.openxmlformats.org/presentationml/2006/main">
+  <p:cSld>
+    <p:spTree>
+      <p:nvGrpSpPr>
+        <p:cNvPr id="1" name=""/>
+        <p:cNvGrpSpPr/>
+        <p:nvPr/>
+      </p:nvGrpSpPr>
+      <p:grpSpPr>
+        <a:xfrm>
+          <a:off x="0" y="0"/>
+          <a:ext cx="0" cy="0"/>
+          <a:chOff x="0" y="0"/>
+          <a:chExt cx="0" cy="0"/>
+        </a:xfrm>
+      </p:grpSpPr>
+      <p:sp>
+        <p:nvSpPr>
+          <p:cNvPr id="2" name="제목 1">
+            <a:extLst>
+              <a:ext uri="{FF2B5EF4-FFF2-40B4-BE49-F238E27FC236}">
+                <a16:creationId xmlns:a16="http://schemas.microsoft.com/office/drawing/2014/main" id="{81415599-A702-D25B-F67B-41D765B3612D}"/>
+              </a:ext>
+            </a:extLst>
+          </p:cNvPr>
+          <p:cNvSpPr>
+            <a:spLocks noGrp="1"/>
+          </p:cNvSpPr>
+          <p:nvPr>
+            <p:ph type="title"/>
+          </p:nvPr>
+        </p:nvSpPr>
+        <p:spPr/>
+        <p:txBody>
+          <a:bodyPr/>
+          <a:lstStyle/>
+          <a:p>
+            <a:r>
+              <a:rPr lang="ko-KR" altLang="en-US" dirty="0"/>
+              <a:t>통계적 방법</a:t>
+            </a:r>
+          </a:p>
+        </p:txBody>
+      </p:sp>
+      <p:sp>
+        <p:nvSpPr>
+          <p:cNvPr id="3" name="내용 개체 틀 2">
+            <a:extLst>
+              <a:ext uri="{FF2B5EF4-FFF2-40B4-BE49-F238E27FC236}">
+                <a16:creationId xmlns:a16="http://schemas.microsoft.com/office/drawing/2014/main" id="{3E38149A-DBAE-E0DD-A098-586EC442B051}"/>
+              </a:ext>
+            </a:extLst>
+          </p:cNvPr>
+          <p:cNvSpPr>
+            <a:spLocks noGrp="1"/>
+          </p:cNvSpPr>
+          <p:nvPr>
+            <p:ph idx="1"/>
+          </p:nvPr>
+        </p:nvSpPr>
+        <p:spPr/>
+        <p:txBody>
+          <a:bodyPr/>
+          <a:lstStyle/>
+          <a:p>
+            <a:r>
+              <a:rPr lang="en-US" altLang="ko-KR" dirty="0"/>
+              <a:t>ARIMA </a:t>
+            </a:r>
+            <a:r>
+              <a:rPr lang="ko-KR" altLang="en-US" dirty="0"/>
+              <a:t>모델 차수 추정 방법</a:t>
+            </a:r>
+          </a:p>
+        </p:txBody>
+      </p:sp>
+      <p:pic>
+        <p:nvPicPr>
+          <p:cNvPr id="5" name="그림 4">
+            <a:extLst>
+              <a:ext uri="{FF2B5EF4-FFF2-40B4-BE49-F238E27FC236}">
+                <a16:creationId xmlns:a16="http://schemas.microsoft.com/office/drawing/2014/main" id="{D4962AE0-67BF-6A2B-C623-1D1B203F820E}"/>
+              </a:ext>
+            </a:extLst>
+          </p:cNvPr>
+          <p:cNvPicPr>
+            <a:picLocks noChangeAspect="1"/>
+          </p:cNvPicPr>
+          <p:nvPr/>
+        </p:nvPicPr>
+        <p:blipFill>
+          <a:blip r:embed="rId2"/>
+          <a:stretch>
+            <a:fillRect/>
+          </a:stretch>
+        </p:blipFill>
+        <p:spPr>
+          <a:xfrm>
+            <a:off x="670755" y="2528379"/>
+            <a:ext cx="10850489" cy="3648584"/>
+          </a:xfrm>
+          <a:prstGeom prst="rect">
+            <a:avLst/>
+          </a:prstGeom>
+        </p:spPr>
+      </p:pic>
+    </p:spTree>
+    <p:extLst>
+      <p:ext uri="{BB962C8B-B14F-4D97-AF65-F5344CB8AC3E}">
+        <p14:creationId xmlns:p14="http://schemas.microsoft.com/office/powerpoint/2010/main" val="2992073778"/>
+      </p:ext>
+    </p:extLst>
+  </p:cSld>
+  <p:clrMapOvr>
+    <a:masterClrMapping/>
+  </p:clrMapOvr>
+</p:sld>
+</file>
+
+<file path=ppt/slides/slide5.xml><?xml version="1.0" encoding="utf-8"?>
+<p:sld xmlns:a="http://schemas.openxmlformats.org/drawingml/2006/main" xmlns:r="http://schemas.openxmlformats.org/officeDocument/2006/relationships" xmlns:p="http://schemas.openxmlformats.org/presentationml/2006/main">
+  <p:cSld>
+    <p:spTree>
+      <p:nvGrpSpPr>
+        <p:cNvPr id="1" name=""/>
+        <p:cNvGrpSpPr/>
+        <p:nvPr/>
+      </p:nvGrpSpPr>
+      <p:grpSpPr>
+        <a:xfrm>
+          <a:off x="0" y="0"/>
+          <a:ext cx="0" cy="0"/>
+          <a:chOff x="0" y="0"/>
+          <a:chExt cx="0" cy="0"/>
+        </a:xfrm>
+      </p:grpSpPr>
+      <p:sp>
+        <p:nvSpPr>
+          <p:cNvPr id="2" name="제목 1">
+            <a:extLst>
+              <a:ext uri="{FF2B5EF4-FFF2-40B4-BE49-F238E27FC236}">
+                <a16:creationId xmlns:a16="http://schemas.microsoft.com/office/drawing/2014/main" id="{8881E16D-14C2-7399-122D-00ED1634F55B}"/>
+              </a:ext>
+            </a:extLst>
+          </p:cNvPr>
+          <p:cNvSpPr>
+            <a:spLocks noGrp="1"/>
+          </p:cNvSpPr>
+          <p:nvPr>
+            <p:ph type="title"/>
+          </p:nvPr>
+        </p:nvSpPr>
+        <p:spPr/>
+        <p:txBody>
+          <a:bodyPr/>
+          <a:lstStyle/>
+          <a:p>
+            <a:r>
+              <a:rPr lang="en-US" altLang="ko-KR" dirty="0"/>
+              <a:t>RNN </a:t>
+            </a:r>
+            <a:r>
+              <a:rPr lang="ko-KR" altLang="en-US" dirty="0"/>
+              <a:t>구조</a:t>
+            </a:r>
+          </a:p>
+        </p:txBody>
+      </p:sp>
       <p:grpSp>
         <p:nvGrpSpPr>
           <p:cNvPr id="32" name="그룹 31">
@@ -3351,7 +4537,7 @@
         </p:nvGrpSpPr>
         <p:grpSpPr>
           <a:xfrm>
-            <a:off x="1939998" y="980853"/>
+            <a:off x="1805765" y="1488854"/>
             <a:ext cx="8580469" cy="4896293"/>
             <a:chOff x="1616148" y="1371600"/>
             <a:chExt cx="8580469" cy="4896293"/>
@@ -4524,7 +5710,7 @@
     </p:spTree>
     <p:extLst>
       <p:ext uri="{BB962C8B-B14F-4D97-AF65-F5344CB8AC3E}">
-        <p14:creationId xmlns:p14="http://schemas.microsoft.com/office/powerpoint/2010/main" val="536205489"/>
+        <p14:creationId xmlns:p14="http://schemas.microsoft.com/office/powerpoint/2010/main" val="3053601452"/>
       </p:ext>
     </p:extLst>
   </p:cSld>
@@ -4534,818 +5720,7 @@
 </p:sld>
 </file>
 
-<file path=ppt/slides/slide10.xml><?xml version="1.0" encoding="utf-8"?>
-<p:sld xmlns:a="http://schemas.openxmlformats.org/drawingml/2006/main" xmlns:r="http://schemas.openxmlformats.org/officeDocument/2006/relationships" xmlns:p="http://schemas.openxmlformats.org/presentationml/2006/main">
-  <p:cSld>
-    <p:spTree>
-      <p:nvGrpSpPr>
-        <p:cNvPr id="1" name=""/>
-        <p:cNvGrpSpPr/>
-        <p:nvPr/>
-      </p:nvGrpSpPr>
-      <p:grpSpPr>
-        <a:xfrm>
-          <a:off x="0" y="0"/>
-          <a:ext cx="0" cy="0"/>
-          <a:chOff x="0" y="0"/>
-          <a:chExt cx="0" cy="0"/>
-        </a:xfrm>
-      </p:grpSpPr>
-    </p:spTree>
-    <p:extLst>
-      <p:ext uri="{BB962C8B-B14F-4D97-AF65-F5344CB8AC3E}">
-        <p14:creationId xmlns:p14="http://schemas.microsoft.com/office/powerpoint/2010/main" val="2401092827"/>
-      </p:ext>
-    </p:extLst>
-  </p:cSld>
-  <p:clrMapOvr>
-    <a:masterClrMapping/>
-  </p:clrMapOvr>
-</p:sld>
-</file>
-
-<file path=ppt/slides/slide11.xml><?xml version="1.0" encoding="utf-8"?>
-<p:sld xmlns:a="http://schemas.openxmlformats.org/drawingml/2006/main" xmlns:r="http://schemas.openxmlformats.org/officeDocument/2006/relationships" xmlns:p="http://schemas.openxmlformats.org/presentationml/2006/main">
-  <p:cSld>
-    <p:spTree>
-      <p:nvGrpSpPr>
-        <p:cNvPr id="1" name=""/>
-        <p:cNvGrpSpPr/>
-        <p:nvPr/>
-      </p:nvGrpSpPr>
-      <p:grpSpPr>
-        <a:xfrm>
-          <a:off x="0" y="0"/>
-          <a:ext cx="0" cy="0"/>
-          <a:chOff x="0" y="0"/>
-          <a:chExt cx="0" cy="0"/>
-        </a:xfrm>
-      </p:grpSpPr>
-    </p:spTree>
-    <p:extLst>
-      <p:ext uri="{BB962C8B-B14F-4D97-AF65-F5344CB8AC3E}">
-        <p14:creationId xmlns:p14="http://schemas.microsoft.com/office/powerpoint/2010/main" val="3312157050"/>
-      </p:ext>
-    </p:extLst>
-  </p:cSld>
-  <p:clrMapOvr>
-    <a:masterClrMapping/>
-  </p:clrMapOvr>
-</p:sld>
-</file>
-
-<file path=ppt/slides/slide12.xml><?xml version="1.0" encoding="utf-8"?>
-<p:sld xmlns:a="http://schemas.openxmlformats.org/drawingml/2006/main" xmlns:r="http://schemas.openxmlformats.org/officeDocument/2006/relationships" xmlns:p="http://schemas.openxmlformats.org/presentationml/2006/main">
-  <p:cSld>
-    <p:spTree>
-      <p:nvGrpSpPr>
-        <p:cNvPr id="1" name=""/>
-        <p:cNvGrpSpPr/>
-        <p:nvPr/>
-      </p:nvGrpSpPr>
-      <p:grpSpPr>
-        <a:xfrm>
-          <a:off x="0" y="0"/>
-          <a:ext cx="0" cy="0"/>
-          <a:chOff x="0" y="0"/>
-          <a:chExt cx="0" cy="0"/>
-        </a:xfrm>
-      </p:grpSpPr>
-    </p:spTree>
-    <p:extLst>
-      <p:ext uri="{BB962C8B-B14F-4D97-AF65-F5344CB8AC3E}">
-        <p14:creationId xmlns:p14="http://schemas.microsoft.com/office/powerpoint/2010/main" val="4020951417"/>
-      </p:ext>
-    </p:extLst>
-  </p:cSld>
-  <p:clrMapOvr>
-    <a:masterClrMapping/>
-  </p:clrMapOvr>
-</p:sld>
-</file>
-
-<file path=ppt/slides/slide2.xml><?xml version="1.0" encoding="utf-8"?>
-<p:sld xmlns:a="http://schemas.openxmlformats.org/drawingml/2006/main" xmlns:r="http://schemas.openxmlformats.org/officeDocument/2006/relationships" xmlns:p="http://schemas.openxmlformats.org/presentationml/2006/main">
-  <p:cSld>
-    <p:spTree>
-      <p:nvGrpSpPr>
-        <p:cNvPr id="1" name=""/>
-        <p:cNvGrpSpPr/>
-        <p:nvPr/>
-      </p:nvGrpSpPr>
-      <p:grpSpPr>
-        <a:xfrm>
-          <a:off x="0" y="0"/>
-          <a:ext cx="0" cy="0"/>
-          <a:chOff x="0" y="0"/>
-          <a:chExt cx="0" cy="0"/>
-        </a:xfrm>
-      </p:grpSpPr>
-      <p:pic>
-        <p:nvPicPr>
-          <p:cNvPr id="4" name="Picture 1">
-            <a:extLst>
-              <a:ext uri="{FF2B5EF4-FFF2-40B4-BE49-F238E27FC236}">
-                <a16:creationId xmlns:a16="http://schemas.microsoft.com/office/drawing/2014/main" id="{C24B6A5B-92CD-AFD2-D8E1-698FEB8BBEF1}"/>
-              </a:ext>
-            </a:extLst>
-          </p:cNvPr>
-          <p:cNvPicPr>
-            <a:picLocks noChangeAspect="1"/>
-          </p:cNvPicPr>
-          <p:nvPr/>
-        </p:nvPicPr>
-        <p:blipFill>
-          <a:blip r:embed="rId2"/>
-          <a:stretch>
-            <a:fillRect/>
-          </a:stretch>
-        </p:blipFill>
-        <p:spPr>
-          <a:xfrm>
-            <a:off x="1009650" y="3507316"/>
-            <a:ext cx="2294636" cy="151130"/>
-          </a:xfrm>
-          <a:prstGeom prst="rect">
-            <a:avLst/>
-          </a:prstGeom>
-          <a:noFill/>
-          <a:ln>
-            <a:noFill/>
-          </a:ln>
-        </p:spPr>
-      </p:pic>
-      <p:sp>
-        <p:nvSpPr>
-          <p:cNvPr id="6" name="TextBox 5">
-            <a:extLst>
-              <a:ext uri="{FF2B5EF4-FFF2-40B4-BE49-F238E27FC236}">
-                <a16:creationId xmlns:a16="http://schemas.microsoft.com/office/drawing/2014/main" id="{4BED3DFB-AAEB-75C0-D3C0-19CEFC406DE5}"/>
-              </a:ext>
-            </a:extLst>
-          </p:cNvPr>
-          <p:cNvSpPr txBox="1"/>
-          <p:nvPr/>
-        </p:nvSpPr>
-        <p:spPr>
-          <a:xfrm>
-            <a:off x="705993" y="3900381"/>
-            <a:ext cx="2901950" cy="566502"/>
-          </a:xfrm>
-          <a:prstGeom prst="rect">
-            <a:avLst/>
-          </a:prstGeom>
-          <a:noFill/>
-        </p:spPr>
-        <p:txBody>
-          <a:bodyPr wrap="square">
-            <a:spAutoFit/>
-          </a:bodyPr>
-          <a:lstStyle/>
-          <a:p>
-            <a:pPr marL="0" marR="0" indent="0" algn="ctr" fontAlgn="base" latinLnBrk="0">
-              <a:lnSpc>
-                <a:spcPct val="200000"/>
-              </a:lnSpc>
-              <a:spcBef>
-                <a:spcPts val="0"/>
-              </a:spcBef>
-              <a:spcAft>
-                <a:spcPts val="0"/>
-              </a:spcAft>
-            </a:pPr>
-            <a:r>
-              <a:rPr lang="en-US" altLang="ko-KR" sz="1800" kern="0" spc="0" dirty="0">
-                <a:solidFill>
-                  <a:srgbClr val="000000"/>
-                </a:solidFill>
-                <a:effectLst/>
-                <a:latin typeface="한양신명조"/>
-                <a:ea typeface="휴먼명조"/>
-              </a:rPr>
-              <a:t>&lt;</a:t>
-            </a:r>
-            <a:r>
-              <a:rPr lang="ko-KR" altLang="en-US" sz="1800" kern="0" spc="0" dirty="0">
-                <a:solidFill>
-                  <a:srgbClr val="000000"/>
-                </a:solidFill>
-                <a:effectLst/>
-                <a:latin typeface="휴먼명조"/>
-                <a:ea typeface="휴먼명조"/>
-              </a:rPr>
-              <a:t>수식 </a:t>
-            </a:r>
-            <a:r>
-              <a:rPr lang="en-US" altLang="ko-KR" sz="1800" kern="0" spc="0" dirty="0">
-                <a:solidFill>
-                  <a:srgbClr val="000000"/>
-                </a:solidFill>
-                <a:effectLst/>
-                <a:latin typeface="한양신명조"/>
-                <a:ea typeface="휴먼명조"/>
-              </a:rPr>
-              <a:t>1&gt; AR </a:t>
-            </a:r>
-            <a:r>
-              <a:rPr lang="ko-KR" altLang="en-US" sz="1800" kern="0" spc="0" dirty="0">
-                <a:solidFill>
-                  <a:srgbClr val="000000"/>
-                </a:solidFill>
-                <a:effectLst/>
-                <a:latin typeface="휴먼명조"/>
-                <a:ea typeface="휴먼명조"/>
-              </a:rPr>
-              <a:t>모델</a:t>
-            </a:r>
-            <a:endParaRPr lang="ko-KR" altLang="en-US" sz="1800" kern="0" spc="0" dirty="0">
-              <a:solidFill>
-                <a:srgbClr val="000000"/>
-              </a:solidFill>
-              <a:effectLst/>
-              <a:latin typeface="한양신명조"/>
-            </a:endParaRPr>
-          </a:p>
-        </p:txBody>
-      </p:sp>
-      <p:sp>
-        <p:nvSpPr>
-          <p:cNvPr id="7" name="제목 1">
-            <a:extLst>
-              <a:ext uri="{FF2B5EF4-FFF2-40B4-BE49-F238E27FC236}">
-                <a16:creationId xmlns:a16="http://schemas.microsoft.com/office/drawing/2014/main" id="{E99CBC59-7B90-CBFF-B841-55567C7C2DC8}"/>
-              </a:ext>
-            </a:extLst>
-          </p:cNvPr>
-          <p:cNvSpPr>
-            <a:spLocks noGrp="1"/>
-          </p:cNvSpPr>
-          <p:nvPr>
-            <p:ph type="title"/>
-          </p:nvPr>
-        </p:nvSpPr>
-        <p:spPr>
-          <a:xfrm>
-            <a:off x="838200" y="365125"/>
-            <a:ext cx="10515600" cy="1325563"/>
-          </a:xfrm>
-        </p:spPr>
-        <p:txBody>
-          <a:bodyPr/>
-          <a:lstStyle/>
-          <a:p>
-            <a:r>
-              <a:rPr lang="ko-KR" altLang="en-US" dirty="0"/>
-              <a:t>통계적 방법</a:t>
-            </a:r>
-          </a:p>
-        </p:txBody>
-      </p:sp>
-      <p:sp>
-        <p:nvSpPr>
-          <p:cNvPr id="8" name="Rectangle 2">
-            <a:extLst>
-              <a:ext uri="{FF2B5EF4-FFF2-40B4-BE49-F238E27FC236}">
-                <a16:creationId xmlns:a16="http://schemas.microsoft.com/office/drawing/2014/main" id="{C457CDA6-0D87-733A-0231-34C744ED1EC8}"/>
-              </a:ext>
-            </a:extLst>
-          </p:cNvPr>
-          <p:cNvSpPr>
-            <a:spLocks noChangeArrowheads="1"/>
-          </p:cNvSpPr>
-          <p:nvPr/>
-        </p:nvSpPr>
-        <p:spPr bwMode="auto">
-          <a:xfrm>
-            <a:off x="4362450" y="3429000"/>
-            <a:ext cx="12192000" cy="457200"/>
-          </a:xfrm>
-          <a:prstGeom prst="rect">
-            <a:avLst/>
-          </a:prstGeom>
-          <a:noFill/>
-          <a:ln>
-            <a:noFill/>
-          </a:ln>
-          <a:effectLst/>
-          <a:extLst>
-            <a:ext uri="{909E8E84-426E-40DD-AFC4-6F175D3DCCD1}">
-              <a14:hiddenFill xmlns:a14="http://schemas.microsoft.com/office/drawing/2010/main">
-                <a:solidFill>
-                  <a:schemeClr val="accent1"/>
-                </a:solidFill>
-              </a14:hiddenFill>
-            </a:ext>
-            <a:ext uri="{91240B29-F687-4F45-9708-019B960494DF}">
-              <a14:hiddenLine xmlns:a14="http://schemas.microsoft.com/office/drawing/2010/main" w="9525">
-                <a:solidFill>
-                  <a:schemeClr val="tx1"/>
-                </a:solidFill>
-                <a:miter lim="800000"/>
-                <a:headEnd/>
-                <a:tailEnd/>
-              </a14:hiddenLine>
-            </a:ext>
-            <a:ext uri="{AF507438-7753-43E0-B8FC-AC1667EBCBE1}">
-              <a14:hiddenEffects xmlns:a14="http://schemas.microsoft.com/office/drawing/2010/main">
-                <a:effectLst>
-                  <a:outerShdw dist="35921" dir="2700000" algn="ctr" rotWithShape="0">
-                    <a:schemeClr val="bg2"/>
-                  </a:outerShdw>
-                </a:effectLst>
-              </a14:hiddenEffects>
-            </a:ext>
-          </a:extLst>
-        </p:spPr>
-        <p:txBody>
-          <a:bodyPr vert="horz" wrap="none" lIns="91440" tIns="45720" rIns="91440" bIns="45720" numCol="1" anchor="ctr" anchorCtr="0" compatLnSpc="1">
-            <a:prstTxWarp prst="textNoShape">
-              <a:avLst/>
-            </a:prstTxWarp>
-            <a:spAutoFit/>
-          </a:bodyPr>
-          <a:lstStyle/>
-          <a:p>
-            <a:endParaRPr lang="ko-KR" altLang="en-US"/>
-          </a:p>
-        </p:txBody>
-      </p:sp>
-      <p:pic>
-        <p:nvPicPr>
-          <p:cNvPr id="1025" name="_x758684880">
-            <a:extLst>
-              <a:ext uri="{FF2B5EF4-FFF2-40B4-BE49-F238E27FC236}">
-                <a16:creationId xmlns:a16="http://schemas.microsoft.com/office/drawing/2014/main" id="{DEB4F757-F689-4B33-8D14-048FA19AE72F}"/>
-              </a:ext>
-            </a:extLst>
-          </p:cNvPr>
-          <p:cNvPicPr>
-            <a:picLocks noChangeAspect="1" noChangeArrowheads="1"/>
-          </p:cNvPicPr>
-          <p:nvPr/>
-        </p:nvPicPr>
-        <p:blipFill>
-          <a:blip r:embed="rId3">
-            <a:extLst>
-              <a:ext uri="{28A0092B-C50C-407E-A947-70E740481C1C}">
-                <a14:useLocalDpi xmlns:a14="http://schemas.microsoft.com/office/drawing/2010/main" val="0"/>
-              </a:ext>
-            </a:extLst>
-          </a:blip>
-          <a:srcRect/>
-          <a:stretch>
-            <a:fillRect/>
-          </a:stretch>
-        </p:blipFill>
-        <p:spPr bwMode="auto">
-          <a:xfrm>
-            <a:off x="3631850" y="3507316"/>
-            <a:ext cx="2068513" cy="149225"/>
-          </a:xfrm>
-          <a:prstGeom prst="rect">
-            <a:avLst/>
-          </a:prstGeom>
-          <a:noFill/>
-          <a:extLst>
-            <a:ext uri="{909E8E84-426E-40DD-AFC4-6F175D3DCCD1}">
-              <a14:hiddenFill xmlns:a14="http://schemas.microsoft.com/office/drawing/2010/main">
-                <a:solidFill>
-                  <a:srgbClr val="FFFFFF"/>
-                </a:solidFill>
-              </a14:hiddenFill>
-            </a:ext>
-          </a:extLst>
-        </p:spPr>
-      </p:pic>
-      <p:sp>
-        <p:nvSpPr>
-          <p:cNvPr id="9" name="Rectangle 3">
-            <a:extLst>
-              <a:ext uri="{FF2B5EF4-FFF2-40B4-BE49-F238E27FC236}">
-                <a16:creationId xmlns:a16="http://schemas.microsoft.com/office/drawing/2014/main" id="{D88203FE-7078-7650-1A21-80C9DF25C3E2}"/>
-              </a:ext>
-            </a:extLst>
-          </p:cNvPr>
-          <p:cNvSpPr>
-            <a:spLocks noChangeArrowheads="1"/>
-          </p:cNvSpPr>
-          <p:nvPr/>
-        </p:nvSpPr>
-        <p:spPr bwMode="auto">
-          <a:xfrm>
-            <a:off x="3667997" y="4054608"/>
-            <a:ext cx="1996218" cy="646331"/>
-          </a:xfrm>
-          <a:prstGeom prst="rect">
-            <a:avLst/>
-          </a:prstGeom>
-          <a:noFill/>
-          <a:ln>
-            <a:noFill/>
-          </a:ln>
-          <a:effectLst/>
-          <a:extLst>
-            <a:ext uri="{909E8E84-426E-40DD-AFC4-6F175D3DCCD1}">
-              <a14:hiddenFill xmlns:a14="http://schemas.microsoft.com/office/drawing/2010/main">
-                <a:solidFill>
-                  <a:schemeClr val="accent1"/>
-                </a:solidFill>
-              </a14:hiddenFill>
-            </a:ext>
-            <a:ext uri="{91240B29-F687-4F45-9708-019B960494DF}">
-              <a14:hiddenLine xmlns:a14="http://schemas.microsoft.com/office/drawing/2010/main" w="9525">
-                <a:solidFill>
-                  <a:schemeClr val="tx1"/>
-                </a:solidFill>
-                <a:miter lim="800000"/>
-                <a:headEnd/>
-                <a:tailEnd/>
-              </a14:hiddenLine>
-            </a:ext>
-            <a:ext uri="{AF507438-7753-43E0-B8FC-AC1667EBCBE1}">
-              <a14:hiddenEffects xmlns:a14="http://schemas.microsoft.com/office/drawing/2010/main">
-                <a:effectLst>
-                  <a:outerShdw dist="35921" dir="2700000" algn="ctr" rotWithShape="0">
-                    <a:schemeClr val="bg2"/>
-                  </a:outerShdw>
-                </a:effectLst>
-              </a14:hiddenEffects>
-            </a:ext>
-          </a:extLst>
-        </p:spPr>
-        <p:txBody>
-          <a:bodyPr vert="horz" wrap="square" lIns="91440" tIns="45720" rIns="91440" bIns="45720" numCol="1" anchor="ctr" anchorCtr="0" compatLnSpc="1">
-            <a:prstTxWarp prst="textNoShape">
-              <a:avLst/>
-            </a:prstTxWarp>
-            <a:spAutoFit/>
-          </a:bodyPr>
-          <a:lstStyle>
-            <a:lvl1pPr eaLnBrk="0" fontAlgn="base" hangingPunct="0">
-              <a:spcBef>
-                <a:spcPct val="0"/>
-              </a:spcBef>
-              <a:spcAft>
-                <a:spcPct val="0"/>
-              </a:spcAft>
-              <a:tabLst>
-                <a:tab pos="4683125" algn="r"/>
-              </a:tabLst>
-              <a:defRPr>
-                <a:solidFill>
-                  <a:schemeClr val="tx1"/>
-                </a:solidFill>
-                <a:latin typeface="Arial" panose="020B0604020202020204" pitchFamily="34" charset="0"/>
-              </a:defRPr>
-            </a:lvl1pPr>
-            <a:lvl2pPr eaLnBrk="0" fontAlgn="base" hangingPunct="0">
-              <a:spcBef>
-                <a:spcPct val="0"/>
-              </a:spcBef>
-              <a:spcAft>
-                <a:spcPct val="0"/>
-              </a:spcAft>
-              <a:tabLst>
-                <a:tab pos="4683125" algn="r"/>
-              </a:tabLst>
-              <a:defRPr>
-                <a:solidFill>
-                  <a:schemeClr val="tx1"/>
-                </a:solidFill>
-                <a:latin typeface="Arial" panose="020B0604020202020204" pitchFamily="34" charset="0"/>
-              </a:defRPr>
-            </a:lvl2pPr>
-            <a:lvl3pPr eaLnBrk="0" fontAlgn="base" hangingPunct="0">
-              <a:spcBef>
-                <a:spcPct val="0"/>
-              </a:spcBef>
-              <a:spcAft>
-                <a:spcPct val="0"/>
-              </a:spcAft>
-              <a:tabLst>
-                <a:tab pos="4683125" algn="r"/>
-              </a:tabLst>
-              <a:defRPr>
-                <a:solidFill>
-                  <a:schemeClr val="tx1"/>
-                </a:solidFill>
-                <a:latin typeface="Arial" panose="020B0604020202020204" pitchFamily="34" charset="0"/>
-              </a:defRPr>
-            </a:lvl3pPr>
-            <a:lvl4pPr eaLnBrk="0" fontAlgn="base" hangingPunct="0">
-              <a:spcBef>
-                <a:spcPct val="0"/>
-              </a:spcBef>
-              <a:spcAft>
-                <a:spcPct val="0"/>
-              </a:spcAft>
-              <a:tabLst>
-                <a:tab pos="4683125" algn="r"/>
-              </a:tabLst>
-              <a:defRPr>
-                <a:solidFill>
-                  <a:schemeClr val="tx1"/>
-                </a:solidFill>
-                <a:latin typeface="Arial" panose="020B0604020202020204" pitchFamily="34" charset="0"/>
-              </a:defRPr>
-            </a:lvl4pPr>
-            <a:lvl5pPr eaLnBrk="0" fontAlgn="base" hangingPunct="0">
-              <a:spcBef>
-                <a:spcPct val="0"/>
-              </a:spcBef>
-              <a:spcAft>
-                <a:spcPct val="0"/>
-              </a:spcAft>
-              <a:tabLst>
-                <a:tab pos="4683125" algn="r"/>
-              </a:tabLst>
-              <a:defRPr>
-                <a:solidFill>
-                  <a:schemeClr val="tx1"/>
-                </a:solidFill>
-                <a:latin typeface="Arial" panose="020B0604020202020204" pitchFamily="34" charset="0"/>
-              </a:defRPr>
-            </a:lvl5pPr>
-            <a:lvl6pPr eaLnBrk="0" fontAlgn="base" hangingPunct="0">
-              <a:spcBef>
-                <a:spcPct val="0"/>
-              </a:spcBef>
-              <a:spcAft>
-                <a:spcPct val="0"/>
-              </a:spcAft>
-              <a:tabLst>
-                <a:tab pos="4683125" algn="r"/>
-              </a:tabLst>
-              <a:defRPr>
-                <a:solidFill>
-                  <a:schemeClr val="tx1"/>
-                </a:solidFill>
-                <a:latin typeface="Arial" panose="020B0604020202020204" pitchFamily="34" charset="0"/>
-              </a:defRPr>
-            </a:lvl6pPr>
-            <a:lvl7pPr eaLnBrk="0" fontAlgn="base" hangingPunct="0">
-              <a:spcBef>
-                <a:spcPct val="0"/>
-              </a:spcBef>
-              <a:spcAft>
-                <a:spcPct val="0"/>
-              </a:spcAft>
-              <a:tabLst>
-                <a:tab pos="4683125" algn="r"/>
-              </a:tabLst>
-              <a:defRPr>
-                <a:solidFill>
-                  <a:schemeClr val="tx1"/>
-                </a:solidFill>
-                <a:latin typeface="Arial" panose="020B0604020202020204" pitchFamily="34" charset="0"/>
-              </a:defRPr>
-            </a:lvl7pPr>
-            <a:lvl8pPr eaLnBrk="0" fontAlgn="base" hangingPunct="0">
-              <a:spcBef>
-                <a:spcPct val="0"/>
-              </a:spcBef>
-              <a:spcAft>
-                <a:spcPct val="0"/>
-              </a:spcAft>
-              <a:tabLst>
-                <a:tab pos="4683125" algn="r"/>
-              </a:tabLst>
-              <a:defRPr>
-                <a:solidFill>
-                  <a:schemeClr val="tx1"/>
-                </a:solidFill>
-                <a:latin typeface="Arial" panose="020B0604020202020204" pitchFamily="34" charset="0"/>
-              </a:defRPr>
-            </a:lvl8pPr>
-            <a:lvl9pPr eaLnBrk="0" fontAlgn="base" hangingPunct="0">
-              <a:spcBef>
-                <a:spcPct val="0"/>
-              </a:spcBef>
-              <a:spcAft>
-                <a:spcPct val="0"/>
-              </a:spcAft>
-              <a:tabLst>
-                <a:tab pos="4683125" algn="r"/>
-              </a:tabLst>
-              <a:defRPr>
-                <a:solidFill>
-                  <a:schemeClr val="tx1"/>
-                </a:solidFill>
-                <a:latin typeface="Arial" panose="020B0604020202020204" pitchFamily="34" charset="0"/>
-              </a:defRPr>
-            </a:lvl9pPr>
-          </a:lstStyle>
-          <a:p>
-            <a:pPr marL="0" marR="0" lvl="0" indent="0" algn="l" defTabSz="914400" rtl="0" eaLnBrk="0" fontAlgn="base" latinLnBrk="0" hangingPunct="0">
-              <a:lnSpc>
-                <a:spcPct val="100000"/>
-              </a:lnSpc>
-              <a:spcBef>
-                <a:spcPct val="0"/>
-              </a:spcBef>
-              <a:spcAft>
-                <a:spcPct val="0"/>
-              </a:spcAft>
-              <a:buClrTx/>
-              <a:buSzTx/>
-              <a:buFontTx/>
-              <a:buNone/>
-              <a:tabLst>
-                <a:tab pos="4683125" algn="r"/>
-              </a:tabLst>
-            </a:pPr>
-            <a:r>
-              <a:rPr kumimoji="0" lang="en-US" altLang="ko-KR" b="1" i="0" u="none" strike="noStrike" cap="none" normalizeH="0" baseline="0" dirty="0">
-                <a:ln>
-                  <a:noFill/>
-                </a:ln>
-                <a:solidFill>
-                  <a:srgbClr val="000000"/>
-                </a:solidFill>
-                <a:effectLst/>
-                <a:latin typeface="HCI Poppy"/>
-                <a:ea typeface="휴먼명조"/>
-              </a:rPr>
-              <a:t>&lt;</a:t>
-            </a:r>
-            <a:r>
-              <a:rPr kumimoji="0" lang="ko-KR" altLang="en-US" b="1" i="0" u="none" strike="noStrike" cap="none" normalizeH="0" baseline="0" dirty="0">
-                <a:ln>
-                  <a:noFill/>
-                </a:ln>
-                <a:solidFill>
-                  <a:srgbClr val="000000"/>
-                </a:solidFill>
-                <a:effectLst/>
-                <a:latin typeface="한양신명조"/>
-                <a:ea typeface="휴먼명조"/>
-              </a:rPr>
-              <a:t>수식 </a:t>
-            </a:r>
-            <a:r>
-              <a:rPr kumimoji="0" lang="en-US" altLang="ko-KR" b="1" i="0" u="none" strike="noStrike" cap="none" normalizeH="0" baseline="0" dirty="0">
-                <a:ln>
-                  <a:noFill/>
-                </a:ln>
-                <a:solidFill>
-                  <a:srgbClr val="000000"/>
-                </a:solidFill>
-                <a:effectLst/>
-                <a:latin typeface="HCI Poppy"/>
-                <a:ea typeface="휴먼명조"/>
-              </a:rPr>
-              <a:t>2&gt; MA </a:t>
-            </a:r>
-            <a:r>
-              <a:rPr kumimoji="0" lang="ko-KR" altLang="en-US" b="1" i="0" u="none" strike="noStrike" cap="none" normalizeH="0" baseline="0" dirty="0">
-                <a:ln>
-                  <a:noFill/>
-                </a:ln>
-                <a:solidFill>
-                  <a:srgbClr val="000000"/>
-                </a:solidFill>
-                <a:effectLst/>
-                <a:latin typeface="한양신명조"/>
-                <a:ea typeface="휴먼명조"/>
-              </a:rPr>
-              <a:t>모델</a:t>
-            </a:r>
-            <a:endParaRPr kumimoji="0" lang="ko-KR" altLang="en-US" b="0" i="0" u="none" strike="noStrike" cap="none" normalizeH="0" baseline="0" dirty="0">
-              <a:ln>
-                <a:noFill/>
-              </a:ln>
-              <a:solidFill>
-                <a:schemeClr val="tx1"/>
-              </a:solidFill>
-              <a:effectLst/>
-            </a:endParaRPr>
-          </a:p>
-          <a:p>
-            <a:pPr marL="0" marR="0" lvl="0" indent="0" algn="l" defTabSz="914400" rtl="0" eaLnBrk="0" fontAlgn="base" latinLnBrk="0" hangingPunct="0">
-              <a:lnSpc>
-                <a:spcPct val="100000"/>
-              </a:lnSpc>
-              <a:spcBef>
-                <a:spcPct val="0"/>
-              </a:spcBef>
-              <a:spcAft>
-                <a:spcPct val="0"/>
-              </a:spcAft>
-              <a:buClrTx/>
-              <a:buSzTx/>
-              <a:buFontTx/>
-              <a:buNone/>
-              <a:tabLst>
-                <a:tab pos="4683125" algn="r"/>
-              </a:tabLst>
-            </a:pPr>
-            <a:endParaRPr kumimoji="0" lang="ko-KR" altLang="en-US" sz="1800" b="0" i="0" u="none" strike="noStrike" cap="none" normalizeH="0" baseline="0" dirty="0">
-              <a:ln>
-                <a:noFill/>
-              </a:ln>
-              <a:solidFill>
-                <a:schemeClr val="tx1"/>
-              </a:solidFill>
-              <a:effectLst/>
-              <a:latin typeface="Arial" panose="020B0604020202020204" pitchFamily="34" charset="0"/>
-            </a:endParaRPr>
-          </a:p>
-        </p:txBody>
-      </p:sp>
-    </p:spTree>
-    <p:extLst>
-      <p:ext uri="{BB962C8B-B14F-4D97-AF65-F5344CB8AC3E}">
-        <p14:creationId xmlns:p14="http://schemas.microsoft.com/office/powerpoint/2010/main" val="1545718840"/>
-      </p:ext>
-    </p:extLst>
-  </p:cSld>
-  <p:clrMapOvr>
-    <a:masterClrMapping/>
-  </p:clrMapOvr>
-</p:sld>
-</file>
-
-<file path=ppt/slides/slide3.xml><?xml version="1.0" encoding="utf-8"?>
-<p:sld xmlns:a="http://schemas.openxmlformats.org/drawingml/2006/main" xmlns:r="http://schemas.openxmlformats.org/officeDocument/2006/relationships" xmlns:p="http://schemas.openxmlformats.org/presentationml/2006/main">
-  <p:cSld>
-    <p:spTree>
-      <p:nvGrpSpPr>
-        <p:cNvPr id="1" name=""/>
-        <p:cNvGrpSpPr/>
-        <p:nvPr/>
-      </p:nvGrpSpPr>
-      <p:grpSpPr>
-        <a:xfrm>
-          <a:off x="0" y="0"/>
-          <a:ext cx="0" cy="0"/>
-          <a:chOff x="0" y="0"/>
-          <a:chExt cx="0" cy="0"/>
-        </a:xfrm>
-      </p:grpSpPr>
-      <p:sp>
-        <p:nvSpPr>
-          <p:cNvPr id="2" name="제목 1">
-            <a:extLst>
-              <a:ext uri="{FF2B5EF4-FFF2-40B4-BE49-F238E27FC236}">
-                <a16:creationId xmlns:a16="http://schemas.microsoft.com/office/drawing/2014/main" id="{17243E4B-AD5B-C7D3-B423-3F22AC75344A}"/>
-              </a:ext>
-            </a:extLst>
-          </p:cNvPr>
-          <p:cNvSpPr>
-            <a:spLocks noGrp="1"/>
-          </p:cNvSpPr>
-          <p:nvPr>
-            <p:ph type="title"/>
-          </p:nvPr>
-        </p:nvSpPr>
-        <p:spPr/>
-        <p:txBody>
-          <a:bodyPr/>
-          <a:lstStyle/>
-          <a:p>
-            <a:endParaRPr lang="ko-KR" altLang="en-US"/>
-          </a:p>
-        </p:txBody>
-      </p:sp>
-      <p:sp>
-        <p:nvSpPr>
-          <p:cNvPr id="3" name="내용 개체 틀 2">
-            <a:extLst>
-              <a:ext uri="{FF2B5EF4-FFF2-40B4-BE49-F238E27FC236}">
-                <a16:creationId xmlns:a16="http://schemas.microsoft.com/office/drawing/2014/main" id="{8E1506F6-4EF9-8F6E-F666-FB4678CD8F75}"/>
-              </a:ext>
-            </a:extLst>
-          </p:cNvPr>
-          <p:cNvSpPr>
-            <a:spLocks noGrp="1"/>
-          </p:cNvSpPr>
-          <p:nvPr>
-            <p:ph idx="1"/>
-          </p:nvPr>
-        </p:nvSpPr>
-        <p:spPr/>
-        <p:txBody>
-          <a:bodyPr/>
-          <a:lstStyle/>
-          <a:p>
-            <a:endParaRPr lang="ko-KR" altLang="en-US"/>
-          </a:p>
-        </p:txBody>
-      </p:sp>
-    </p:spTree>
-    <p:extLst>
-      <p:ext uri="{BB962C8B-B14F-4D97-AF65-F5344CB8AC3E}">
-        <p14:creationId xmlns:p14="http://schemas.microsoft.com/office/powerpoint/2010/main" val="1484581932"/>
-      </p:ext>
-    </p:extLst>
-  </p:cSld>
-  <p:clrMapOvr>
-    <a:masterClrMapping/>
-  </p:clrMapOvr>
-</p:sld>
-</file>
-
-<file path=ppt/slides/slide4.xml><?xml version="1.0" encoding="utf-8"?>
+<file path=ppt/slides/slide6.xml><?xml version="1.0" encoding="utf-8"?>
 <p:sld xmlns:a="http://schemas.openxmlformats.org/drawingml/2006/main" xmlns:r="http://schemas.openxmlformats.org/officeDocument/2006/relationships" xmlns:p="http://schemas.openxmlformats.org/presentationml/2006/main">
   <p:cSld>
     <p:spTree>
@@ -5376,7 +5751,7 @@
         </p:nvGrpSpPr>
         <p:grpSpPr>
           <a:xfrm>
-            <a:off x="702588" y="980853"/>
+            <a:off x="702588" y="1596582"/>
             <a:ext cx="10786824" cy="4896293"/>
             <a:chOff x="821060" y="1360967"/>
             <a:chExt cx="10786824" cy="4896293"/>
@@ -6955,6 +7330,43 @@
           </p:txBody>
         </p:sp>
       </p:grpSp>
+      <p:sp>
+        <p:nvSpPr>
+          <p:cNvPr id="2" name="제목 1">
+            <a:extLst>
+              <a:ext uri="{FF2B5EF4-FFF2-40B4-BE49-F238E27FC236}">
+                <a16:creationId xmlns:a16="http://schemas.microsoft.com/office/drawing/2014/main" id="{24DEBBA1-631A-107E-2615-72C2BB1497E4}"/>
+              </a:ext>
+            </a:extLst>
+          </p:cNvPr>
+          <p:cNvSpPr>
+            <a:spLocks noGrp="1"/>
+          </p:cNvSpPr>
+          <p:nvPr>
+            <p:ph type="title"/>
+          </p:nvPr>
+        </p:nvSpPr>
+        <p:spPr>
+          <a:xfrm>
+            <a:off x="838200" y="365125"/>
+            <a:ext cx="10515600" cy="1325563"/>
+          </a:xfrm>
+        </p:spPr>
+        <p:txBody>
+          <a:bodyPr/>
+          <a:lstStyle/>
+          <a:p>
+            <a:r>
+              <a:rPr lang="en-US" altLang="ko-KR" dirty="0"/>
+              <a:t>LSTM </a:t>
+            </a:r>
+            <a:r>
+              <a:rPr lang="ko-KR" altLang="en-US" dirty="0"/>
+              <a:t>구조</a:t>
+            </a:r>
+          </a:p>
+        </p:txBody>
+      </p:sp>
     </p:spTree>
     <p:extLst>
       <p:ext uri="{BB962C8B-B14F-4D97-AF65-F5344CB8AC3E}">
@@ -6968,7 +7380,7 @@
 </p:sld>
 </file>
 
-<file path=ppt/slides/slide5.xml><?xml version="1.0" encoding="utf-8"?>
+<file path=ppt/slides/slide7.xml><?xml version="1.0" encoding="utf-8"?>
 <p:sld xmlns:a="http://schemas.openxmlformats.org/drawingml/2006/main" xmlns:r="http://schemas.openxmlformats.org/officeDocument/2006/relationships" xmlns:p="http://schemas.openxmlformats.org/presentationml/2006/main">
   <p:cSld>
     <p:spTree>
@@ -6999,8 +7411,8 @@
         </p:nvGrpSpPr>
         <p:grpSpPr>
           <a:xfrm>
-            <a:off x="1092763" y="272309"/>
-            <a:ext cx="10006473" cy="6585691"/>
+            <a:off x="2038054" y="1450110"/>
+            <a:ext cx="8115892" cy="5140036"/>
             <a:chOff x="687008" y="85090"/>
             <a:chExt cx="10006473" cy="6585691"/>
           </a:xfrm>
@@ -11276,6 +11688,43 @@
           </p:sp>
         </p:grpSp>
       </p:grpSp>
+      <p:sp>
+        <p:nvSpPr>
+          <p:cNvPr id="3" name="제목 1">
+            <a:extLst>
+              <a:ext uri="{FF2B5EF4-FFF2-40B4-BE49-F238E27FC236}">
+                <a16:creationId xmlns:a16="http://schemas.microsoft.com/office/drawing/2014/main" id="{AF32C82B-9D83-2C08-300F-BC2705EA9007}"/>
+              </a:ext>
+            </a:extLst>
+          </p:cNvPr>
+          <p:cNvSpPr>
+            <a:spLocks noGrp="1"/>
+          </p:cNvSpPr>
+          <p:nvPr>
+            <p:ph type="title"/>
+          </p:nvPr>
+        </p:nvSpPr>
+        <p:spPr>
+          <a:xfrm>
+            <a:off x="838200" y="365125"/>
+            <a:ext cx="10515600" cy="1325563"/>
+          </a:xfrm>
+        </p:spPr>
+        <p:txBody>
+          <a:bodyPr/>
+          <a:lstStyle/>
+          <a:p>
+            <a:r>
+              <a:rPr lang="en-US" altLang="ko-KR" dirty="0"/>
+              <a:t>LSTM unit </a:t>
+            </a:r>
+            <a:r>
+              <a:rPr lang="ko-KR" altLang="en-US" dirty="0"/>
+              <a:t>구조</a:t>
+            </a:r>
+          </a:p>
+        </p:txBody>
+      </p:sp>
     </p:spTree>
     <p:extLst>
       <p:ext uri="{BB962C8B-B14F-4D97-AF65-F5344CB8AC3E}">
@@ -11289,7 +11738,7 @@
 </p:sld>
 </file>
 
-<file path=ppt/slides/slide6.xml><?xml version="1.0" encoding="utf-8"?>
+<file path=ppt/slides/slide8.xml><?xml version="1.0" encoding="utf-8"?>
 <p:sld xmlns:a="http://schemas.openxmlformats.org/drawingml/2006/main" xmlns:r="http://schemas.openxmlformats.org/officeDocument/2006/relationships" xmlns:p="http://schemas.openxmlformats.org/presentationml/2006/main">
   <p:cSld>
     <p:spTree>
@@ -11320,8 +11769,8 @@
         </p:nvGrpSpPr>
         <p:grpSpPr>
           <a:xfrm>
-            <a:off x="2930437" y="279658"/>
-            <a:ext cx="6378663" cy="5930126"/>
+            <a:off x="3229364" y="1505527"/>
+            <a:ext cx="5733272" cy="4787384"/>
             <a:chOff x="2930437" y="279658"/>
             <a:chExt cx="6378663" cy="5930126"/>
           </a:xfrm>
@@ -13828,6 +14277,62 @@
           </p:style>
         </p:cxnSp>
       </p:grpSp>
+      <p:sp>
+        <p:nvSpPr>
+          <p:cNvPr id="7" name="제목 1">
+            <a:extLst>
+              <a:ext uri="{FF2B5EF4-FFF2-40B4-BE49-F238E27FC236}">
+                <a16:creationId xmlns:a16="http://schemas.microsoft.com/office/drawing/2014/main" id="{61481E86-2CDF-ED5A-7110-5BF9223468C1}"/>
+              </a:ext>
+            </a:extLst>
+          </p:cNvPr>
+          <p:cNvSpPr txBox="1">
+            <a:spLocks/>
+          </p:cNvSpPr>
+          <p:nvPr/>
+        </p:nvSpPr>
+        <p:spPr>
+          <a:xfrm>
+            <a:off x="838200" y="365125"/>
+            <a:ext cx="10515600" cy="1325563"/>
+          </a:xfrm>
+          <a:prstGeom prst="rect">
+            <a:avLst/>
+          </a:prstGeom>
+        </p:spPr>
+        <p:txBody>
+          <a:bodyPr/>
+          <a:lstStyle>
+            <a:lvl1pPr algn="l" defTabSz="914400" rtl="0" eaLnBrk="1" latinLnBrk="1" hangingPunct="1">
+              <a:lnSpc>
+                <a:spcPct val="90000"/>
+              </a:lnSpc>
+              <a:spcBef>
+                <a:spcPct val="0"/>
+              </a:spcBef>
+              <a:buNone/>
+              <a:defRPr sz="4400" kern="1200">
+                <a:solidFill>
+                  <a:schemeClr val="tx1"/>
+                </a:solidFill>
+                <a:latin typeface="+mj-lt"/>
+                <a:ea typeface="+mj-ea"/>
+                <a:cs typeface="+mj-cs"/>
+              </a:defRPr>
+            </a:lvl1pPr>
+          </a:lstStyle>
+          <a:p>
+            <a:r>
+              <a:rPr lang="en-US" altLang="ko-KR" dirty="0"/>
+              <a:t>Seq2seq </a:t>
+            </a:r>
+            <a:r>
+              <a:rPr lang="ko-KR" altLang="en-US" dirty="0"/>
+              <a:t>구조</a:t>
+            </a:r>
+          </a:p>
+        </p:txBody>
+      </p:sp>
     </p:spTree>
     <p:extLst>
       <p:ext uri="{BB962C8B-B14F-4D97-AF65-F5344CB8AC3E}">
@@ -13841,7 +14346,7 @@
 </p:sld>
 </file>
 
-<file path=ppt/slides/slide7.xml><?xml version="1.0" encoding="utf-8"?>
+<file path=ppt/slides/slide9.xml><?xml version="1.0" encoding="utf-8"?>
 <p:sld xmlns:a="http://schemas.openxmlformats.org/drawingml/2006/main" xmlns:r="http://schemas.openxmlformats.org/officeDocument/2006/relationships" xmlns:p="http://schemas.openxmlformats.org/presentationml/2006/main">
   <p:cSld>
     <p:spTree>
@@ -13880,7 +14385,7 @@
         </p:blipFill>
         <p:spPr>
           <a:xfrm>
-            <a:off x="3734478" y="0"/>
+            <a:off x="5831132" y="0"/>
             <a:ext cx="4723044" cy="6858000"/>
           </a:xfrm>
           <a:prstGeom prst="rect">
@@ -13888,106 +14393,66 @@
           </a:prstGeom>
         </p:spPr>
       </p:pic>
-    </p:spTree>
-    <p:extLst>
-      <p:ext uri="{BB962C8B-B14F-4D97-AF65-F5344CB8AC3E}">
-        <p14:creationId xmlns:p14="http://schemas.microsoft.com/office/powerpoint/2010/main" val="3509037817"/>
-      </p:ext>
-    </p:extLst>
-  </p:cSld>
-  <p:clrMapOvr>
-    <a:masterClrMapping/>
-  </p:clrMapOvr>
-</p:sld>
-</file>
-
-<file path=ppt/slides/slide8.xml><?xml version="1.0" encoding="utf-8"?>
-<p:sld xmlns:a="http://schemas.openxmlformats.org/drawingml/2006/main" xmlns:r="http://schemas.openxmlformats.org/officeDocument/2006/relationships" xmlns:p="http://schemas.openxmlformats.org/presentationml/2006/main">
-  <p:cSld>
-    <p:spTree>
-      <p:nvGrpSpPr>
-        <p:cNvPr id="1" name=""/>
-        <p:cNvGrpSpPr/>
-        <p:nvPr/>
-      </p:nvGrpSpPr>
-      <p:grpSpPr>
-        <a:xfrm>
-          <a:off x="0" y="0"/>
-          <a:ext cx="0" cy="0"/>
-          <a:chOff x="0" y="0"/>
-          <a:chExt cx="0" cy="0"/>
-        </a:xfrm>
-      </p:grpSpPr>
-      <p:pic>
-        <p:nvPicPr>
-          <p:cNvPr id="6" name="그림 5" descr="텍스트, 그래프, 라인, 폰트이(가) 표시된 사진&#10;&#10;자동 생성된 설명">
+      <p:sp>
+        <p:nvSpPr>
+          <p:cNvPr id="2" name="제목 1">
             <a:extLst>
               <a:ext uri="{FF2B5EF4-FFF2-40B4-BE49-F238E27FC236}">
-                <a16:creationId xmlns:a16="http://schemas.microsoft.com/office/drawing/2014/main" id="{0CCBF9C3-0DC3-3218-00C8-0AB1DFB396F9}"/>
+                <a16:creationId xmlns:a16="http://schemas.microsoft.com/office/drawing/2014/main" id="{B5BAA674-7E9E-43F7-62E3-859613FBAC8B}"/>
               </a:ext>
             </a:extLst>
           </p:cNvPr>
-          <p:cNvPicPr>
-            <a:picLocks noChangeAspect="1"/>
-          </p:cNvPicPr>
+          <p:cNvSpPr txBox="1">
+            <a:spLocks/>
+          </p:cNvSpPr>
           <p:nvPr/>
-        </p:nvPicPr>
-        <p:blipFill>
-          <a:blip r:embed="rId2">
-            <a:extLst>
-              <a:ext uri="{28A0092B-C50C-407E-A947-70E740481C1C}">
-                <a14:useLocalDpi xmlns:a14="http://schemas.microsoft.com/office/drawing/2010/main" val="0"/>
-              </a:ext>
-            </a:extLst>
-          </a:blip>
-          <a:stretch>
-            <a:fillRect/>
-          </a:stretch>
-        </p:blipFill>
+        </p:nvSpPr>
         <p:spPr>
           <a:xfrm>
-            <a:off x="1523991" y="488944"/>
-            <a:ext cx="9144018" cy="5486411"/>
+            <a:off x="838200" y="365125"/>
+            <a:ext cx="10515600" cy="1325563"/>
           </a:xfrm>
           <a:prstGeom prst="rect">
             <a:avLst/>
           </a:prstGeom>
         </p:spPr>
-      </p:pic>
+        <p:txBody>
+          <a:bodyPr/>
+          <a:lstStyle>
+            <a:lvl1pPr algn="l" defTabSz="914400" rtl="0" eaLnBrk="1" latinLnBrk="1" hangingPunct="1">
+              <a:lnSpc>
+                <a:spcPct val="90000"/>
+              </a:lnSpc>
+              <a:spcBef>
+                <a:spcPct val="0"/>
+              </a:spcBef>
+              <a:buNone/>
+              <a:defRPr sz="4400" kern="1200">
+                <a:solidFill>
+                  <a:schemeClr val="tx1"/>
+                </a:solidFill>
+                <a:latin typeface="+mj-lt"/>
+                <a:ea typeface="+mj-ea"/>
+                <a:cs typeface="+mj-cs"/>
+              </a:defRPr>
+            </a:lvl1pPr>
+          </a:lstStyle>
+          <a:p>
+            <a:r>
+              <a:rPr lang="en-US" altLang="ko-KR" dirty="0"/>
+              <a:t>Transformer</a:t>
+            </a:r>
+            <a:r>
+              <a:rPr lang="ko-KR" altLang="en-US" dirty="0"/>
+              <a:t> 구조</a:t>
+            </a:r>
+          </a:p>
+        </p:txBody>
+      </p:sp>
     </p:spTree>
     <p:extLst>
       <p:ext uri="{BB962C8B-B14F-4D97-AF65-F5344CB8AC3E}">
-        <p14:creationId xmlns:p14="http://schemas.microsoft.com/office/powerpoint/2010/main" val="1612270372"/>
-      </p:ext>
-    </p:extLst>
-  </p:cSld>
-  <p:clrMapOvr>
-    <a:masterClrMapping/>
-  </p:clrMapOvr>
-</p:sld>
-</file>
-
-<file path=ppt/slides/slide9.xml><?xml version="1.0" encoding="utf-8"?>
-<p:sld xmlns:a="http://schemas.openxmlformats.org/drawingml/2006/main" xmlns:r="http://schemas.openxmlformats.org/officeDocument/2006/relationships" xmlns:p="http://schemas.openxmlformats.org/presentationml/2006/main">
-  <p:cSld>
-    <p:spTree>
-      <p:nvGrpSpPr>
-        <p:cNvPr id="1" name=""/>
-        <p:cNvGrpSpPr/>
-        <p:nvPr/>
-      </p:nvGrpSpPr>
-      <p:grpSpPr>
-        <a:xfrm>
-          <a:off x="0" y="0"/>
-          <a:ext cx="0" cy="0"/>
-          <a:chOff x="0" y="0"/>
-          <a:chExt cx="0" cy="0"/>
-        </a:xfrm>
-      </p:grpSpPr>
-    </p:spTree>
-    <p:extLst>
-      <p:ext uri="{BB962C8B-B14F-4D97-AF65-F5344CB8AC3E}">
-        <p14:creationId xmlns:p14="http://schemas.microsoft.com/office/powerpoint/2010/main" val="1651473823"/>
+        <p14:creationId xmlns:p14="http://schemas.microsoft.com/office/powerpoint/2010/main" val="3509037817"/>
       </p:ext>
     </p:extLst>
   </p:cSld>
